--- a/Knightshade_Presentation.pptx
+++ b/Knightshade_Presentation.pptx
@@ -8,10 +8,12 @@
     <p:sldId id="256" r:id="rId2"/>
     <p:sldId id="257" r:id="rId3"/>
     <p:sldId id="258" r:id="rId4"/>
-    <p:sldId id="259" r:id="rId5"/>
+    <p:sldId id="263" r:id="rId5"/>
     <p:sldId id="260" r:id="rId6"/>
     <p:sldId id="261" r:id="rId7"/>
-    <p:sldId id="262" r:id="rId8"/>
+    <p:sldId id="259" r:id="rId8"/>
+    <p:sldId id="264" r:id="rId9"/>
+    <p:sldId id="262" r:id="rId10"/>
   </p:sldIdLst>
   <p:sldSz cx="12192000" cy="6858000"/>
   <p:notesSz cx="6858000" cy="9144000"/>
@@ -110,6 +112,11 @@
       </a:defRPr>
     </a:lvl9pPr>
   </p:defaultTextStyle>
+  <p:extLst>
+    <p:ext uri="{EFAFB233-063F-42B5-8137-9DF3F51BA10A}">
+      <p15:sldGuideLst xmlns:p15="http://schemas.microsoft.com/office/powerpoint/2012/main"/>
+    </p:ext>
+  </p:extLst>
 </p:presentation>
 </file>
 
@@ -163,7 +170,7 @@
           <a:noFill/>
           <a:extLst>
             <a:ext uri="{909E8E84-426E-40dd-AFC4-6F175D3DCCD1}">
-              <a14:hiddenFill xmlns:a14="http://schemas.microsoft.com/office/drawing/2010/main" xmlns="">
+              <a14:hiddenFill xmlns="" xmlns:a14="http://schemas.microsoft.com/office/drawing/2010/main">
                 <a:solidFill>
                   <a:srgbClr val="FFFFFF"/>
                 </a:solidFill>
@@ -223,7 +230,7 @@
             </a:ln>
             <a:extLst>
               <a:ext uri="{91240B29-F687-4f45-9708-019B960494DF}">
-                <a14:hiddenLine xmlns:a14="http://schemas.microsoft.com/office/drawing/2010/main" xmlns="" w="9525">
+                <a14:hiddenLine xmlns="" xmlns:a14="http://schemas.microsoft.com/office/drawing/2010/main" w="9525">
                   <a:solidFill>
                     <a:srgbClr val="000000"/>
                   </a:solidFill>
@@ -313,7 +320,7 @@
             </a:ln>
             <a:extLst>
               <a:ext uri="{91240B29-F687-4f45-9708-019B960494DF}">
-                <a14:hiddenLine xmlns:a14="http://schemas.microsoft.com/office/drawing/2010/main" xmlns="" w="9525">
+                <a14:hiddenLine xmlns="" xmlns:a14="http://schemas.microsoft.com/office/drawing/2010/main" w="9525">
                   <a:solidFill>
                     <a:srgbClr val="000000"/>
                   </a:solidFill>
@@ -403,7 +410,7 @@
             </a:ln>
             <a:extLst>
               <a:ext uri="{91240B29-F687-4f45-9708-019B960494DF}">
-                <a14:hiddenLine xmlns:a14="http://schemas.microsoft.com/office/drawing/2010/main" xmlns="" w="9525">
+                <a14:hiddenLine xmlns="" xmlns:a14="http://schemas.microsoft.com/office/drawing/2010/main" w="9525">
                   <a:solidFill>
                     <a:srgbClr val="000000"/>
                   </a:solidFill>
@@ -437,7 +444,7 @@
             </a:ln>
             <a:extLst>
               <a:ext uri="{91240B29-F687-4f45-9708-019B960494DF}">
-                <a14:hiddenLine xmlns:a14="http://schemas.microsoft.com/office/drawing/2010/main" xmlns="" w="9525">
+                <a14:hiddenLine xmlns="" xmlns:a14="http://schemas.microsoft.com/office/drawing/2010/main" w="9525">
                   <a:solidFill>
                     <a:srgbClr val="000000"/>
                   </a:solidFill>
@@ -527,7 +534,7 @@
             </a:ln>
             <a:extLst>
               <a:ext uri="{91240B29-F687-4f45-9708-019B960494DF}">
-                <a14:hiddenLine xmlns:a14="http://schemas.microsoft.com/office/drawing/2010/main" xmlns="" w="9525">
+                <a14:hiddenLine xmlns="" xmlns:a14="http://schemas.microsoft.com/office/drawing/2010/main" w="9525">
                   <a:solidFill>
                     <a:srgbClr val="000000"/>
                   </a:solidFill>
@@ -589,7 +596,7 @@
             </a:ln>
             <a:extLst>
               <a:ext uri="{91240B29-F687-4f45-9708-019B960494DF}">
-                <a14:hiddenLine xmlns:a14="http://schemas.microsoft.com/office/drawing/2010/main" xmlns="" w="9525">
+                <a14:hiddenLine xmlns="" xmlns:a14="http://schemas.microsoft.com/office/drawing/2010/main" w="9525">
                   <a:solidFill>
                     <a:srgbClr val="000000"/>
                   </a:solidFill>
@@ -651,7 +658,7 @@
             </a:ln>
             <a:extLst>
               <a:ext uri="{91240B29-F687-4f45-9708-019B960494DF}">
-                <a14:hiddenLine xmlns:a14="http://schemas.microsoft.com/office/drawing/2010/main" xmlns="" w="9525">
+                <a14:hiddenLine xmlns="" xmlns:a14="http://schemas.microsoft.com/office/drawing/2010/main" w="9525">
                   <a:solidFill>
                     <a:srgbClr val="000000"/>
                   </a:solidFill>
@@ -741,7 +748,7 @@
             </a:ln>
             <a:extLst>
               <a:ext uri="{91240B29-F687-4f45-9708-019B960494DF}">
-                <a14:hiddenLine xmlns:a14="http://schemas.microsoft.com/office/drawing/2010/main" xmlns="" w="9525">
+                <a14:hiddenLine xmlns="" xmlns:a14="http://schemas.microsoft.com/office/drawing/2010/main" w="9525">
                   <a:solidFill>
                     <a:srgbClr val="000000"/>
                   </a:solidFill>
@@ -803,7 +810,7 @@
             </a:ln>
             <a:extLst>
               <a:ext uri="{91240B29-F687-4f45-9708-019B960494DF}">
-                <a14:hiddenLine xmlns:a14="http://schemas.microsoft.com/office/drawing/2010/main" xmlns="" w="9525">
+                <a14:hiddenLine xmlns="" xmlns:a14="http://schemas.microsoft.com/office/drawing/2010/main" w="9525">
                   <a:solidFill>
                     <a:srgbClr val="000000"/>
                   </a:solidFill>
@@ -865,7 +872,7 @@
             </a:ln>
             <a:extLst>
               <a:ext uri="{91240B29-F687-4f45-9708-019B960494DF}">
-                <a14:hiddenLine xmlns:a14="http://schemas.microsoft.com/office/drawing/2010/main" xmlns="" w="9525">
+                <a14:hiddenLine xmlns="" xmlns:a14="http://schemas.microsoft.com/office/drawing/2010/main" w="9525">
                   <a:solidFill>
                     <a:srgbClr val="000000"/>
                   </a:solidFill>
@@ -955,7 +962,7 @@
             </a:ln>
             <a:extLst>
               <a:ext uri="{91240B29-F687-4f45-9708-019B960494DF}">
-                <a14:hiddenLine xmlns:a14="http://schemas.microsoft.com/office/drawing/2010/main" xmlns="" w="9525">
+                <a14:hiddenLine xmlns="" xmlns:a14="http://schemas.microsoft.com/office/drawing/2010/main" w="9525">
                   <a:solidFill>
                     <a:srgbClr val="000000"/>
                   </a:solidFill>
@@ -1045,7 +1052,7 @@
             </a:ln>
             <a:extLst>
               <a:ext uri="{91240B29-F687-4f45-9708-019B960494DF}">
-                <a14:hiddenLine xmlns:a14="http://schemas.microsoft.com/office/drawing/2010/main" xmlns="" w="9525">
+                <a14:hiddenLine xmlns="" xmlns:a14="http://schemas.microsoft.com/office/drawing/2010/main" w="9525">
                   <a:solidFill>
                     <a:srgbClr val="000000"/>
                   </a:solidFill>
@@ -1107,7 +1114,7 @@
             </a:ln>
             <a:extLst>
               <a:ext uri="{91240B29-F687-4f45-9708-019B960494DF}">
-                <a14:hiddenLine xmlns:a14="http://schemas.microsoft.com/office/drawing/2010/main" xmlns="" w="9525">
+                <a14:hiddenLine xmlns="" xmlns:a14="http://schemas.microsoft.com/office/drawing/2010/main" w="9525">
                   <a:solidFill>
                     <a:srgbClr val="000000"/>
                   </a:solidFill>
@@ -1217,7 +1224,7 @@
             </a:ln>
             <a:extLst>
               <a:ext uri="{91240B29-F687-4f45-9708-019B960494DF}">
-                <a14:hiddenLine xmlns:a14="http://schemas.microsoft.com/office/drawing/2010/main" xmlns="" w="9525">
+                <a14:hiddenLine xmlns="" xmlns:a14="http://schemas.microsoft.com/office/drawing/2010/main" w="9525">
                   <a:solidFill>
                     <a:srgbClr val="000000"/>
                   </a:solidFill>
@@ -1279,7 +1286,7 @@
             </a:ln>
             <a:extLst>
               <a:ext uri="{91240B29-F687-4f45-9708-019B960494DF}">
-                <a14:hiddenLine xmlns:a14="http://schemas.microsoft.com/office/drawing/2010/main" xmlns="" w="9525">
+                <a14:hiddenLine xmlns="" xmlns:a14="http://schemas.microsoft.com/office/drawing/2010/main" w="9525">
                   <a:solidFill>
                     <a:srgbClr val="000000"/>
                   </a:solidFill>
@@ -1369,7 +1376,7 @@
             </a:ln>
             <a:extLst>
               <a:ext uri="{91240B29-F687-4f45-9708-019B960494DF}">
-                <a14:hiddenLine xmlns:a14="http://schemas.microsoft.com/office/drawing/2010/main" xmlns="" w="9525">
+                <a14:hiddenLine xmlns="" xmlns:a14="http://schemas.microsoft.com/office/drawing/2010/main" w="9525">
                   <a:solidFill>
                     <a:srgbClr val="000000"/>
                   </a:solidFill>
@@ -1459,7 +1466,7 @@
             </a:ln>
             <a:extLst>
               <a:ext uri="{91240B29-F687-4f45-9708-019B960494DF}">
-                <a14:hiddenLine xmlns:a14="http://schemas.microsoft.com/office/drawing/2010/main" xmlns="" w="9525">
+                <a14:hiddenLine xmlns="" xmlns:a14="http://schemas.microsoft.com/office/drawing/2010/main" w="9525">
                   <a:solidFill>
                     <a:srgbClr val="000000"/>
                   </a:solidFill>
@@ -1521,7 +1528,7 @@
             </a:ln>
             <a:extLst>
               <a:ext uri="{91240B29-F687-4f45-9708-019B960494DF}">
-                <a14:hiddenLine xmlns:a14="http://schemas.microsoft.com/office/drawing/2010/main" xmlns="" w="9525">
+                <a14:hiddenLine xmlns="" xmlns:a14="http://schemas.microsoft.com/office/drawing/2010/main" w="9525">
                   <a:solidFill>
                     <a:srgbClr val="000000"/>
                   </a:solidFill>
@@ -1611,7 +1618,7 @@
             </a:ln>
             <a:extLst>
               <a:ext uri="{91240B29-F687-4f45-9708-019B960494DF}">
-                <a14:hiddenLine xmlns:a14="http://schemas.microsoft.com/office/drawing/2010/main" xmlns="" w="9525">
+                <a14:hiddenLine xmlns="" xmlns:a14="http://schemas.microsoft.com/office/drawing/2010/main" w="9525">
                   <a:solidFill>
                     <a:srgbClr val="000000"/>
                   </a:solidFill>
@@ -1701,7 +1708,7 @@
             </a:ln>
             <a:extLst>
               <a:ext uri="{91240B29-F687-4f45-9708-019B960494DF}">
-                <a14:hiddenLine xmlns:a14="http://schemas.microsoft.com/office/drawing/2010/main" xmlns="" w="9525">
+                <a14:hiddenLine xmlns="" xmlns:a14="http://schemas.microsoft.com/office/drawing/2010/main" w="9525">
                   <a:solidFill>
                     <a:srgbClr val="000000"/>
                   </a:solidFill>
@@ -1757,7 +1764,7 @@
             </a:ln>
             <a:extLst>
               <a:ext uri="{91240B29-F687-4f45-9708-019B960494DF}">
-                <a14:hiddenLine xmlns:a14="http://schemas.microsoft.com/office/drawing/2010/main" xmlns="" w="9525">
+                <a14:hiddenLine xmlns="" xmlns:a14="http://schemas.microsoft.com/office/drawing/2010/main" w="9525">
                   <a:solidFill>
                     <a:srgbClr val="000000"/>
                   </a:solidFill>
@@ -1847,7 +1854,7 @@
             </a:ln>
             <a:extLst>
               <a:ext uri="{91240B29-F687-4f45-9708-019B960494DF}">
-                <a14:hiddenLine xmlns:a14="http://schemas.microsoft.com/office/drawing/2010/main" xmlns="" w="9525">
+                <a14:hiddenLine xmlns="" xmlns:a14="http://schemas.microsoft.com/office/drawing/2010/main" w="9525">
                   <a:solidFill>
                     <a:srgbClr val="000000"/>
                   </a:solidFill>
@@ -1903,7 +1910,7 @@
             </a:ln>
             <a:extLst>
               <a:ext uri="{91240B29-F687-4f45-9708-019B960494DF}">
-                <a14:hiddenLine xmlns:a14="http://schemas.microsoft.com/office/drawing/2010/main" xmlns="" w="9525">
+                <a14:hiddenLine xmlns="" xmlns:a14="http://schemas.microsoft.com/office/drawing/2010/main" w="9525">
                   <a:solidFill>
                     <a:srgbClr val="000000"/>
                   </a:solidFill>
@@ -1993,7 +2000,7 @@
             </a:ln>
             <a:extLst>
               <a:ext uri="{91240B29-F687-4f45-9708-019B960494DF}">
-                <a14:hiddenLine xmlns:a14="http://schemas.microsoft.com/office/drawing/2010/main" xmlns="" w="9525">
+                <a14:hiddenLine xmlns="" xmlns:a14="http://schemas.microsoft.com/office/drawing/2010/main" w="9525">
                   <a:solidFill>
                     <a:srgbClr val="000000"/>
                   </a:solidFill>
@@ -2061,7 +2068,7 @@
             </a:ln>
             <a:extLst>
               <a:ext uri="{91240B29-F687-4f45-9708-019B960494DF}">
-                <a14:hiddenLine xmlns:a14="http://schemas.microsoft.com/office/drawing/2010/main" xmlns="" w="9525">
+                <a14:hiddenLine xmlns="" xmlns:a14="http://schemas.microsoft.com/office/drawing/2010/main" w="9525">
                   <a:solidFill>
                     <a:srgbClr val="000000"/>
                   </a:solidFill>
@@ -2151,7 +2158,7 @@
             </a:ln>
             <a:extLst>
               <a:ext uri="{91240B29-F687-4f45-9708-019B960494DF}">
-                <a14:hiddenLine xmlns:a14="http://schemas.microsoft.com/office/drawing/2010/main" xmlns="" w="9525">
+                <a14:hiddenLine xmlns="" xmlns:a14="http://schemas.microsoft.com/office/drawing/2010/main" w="9525">
                   <a:solidFill>
                     <a:srgbClr val="000000"/>
                   </a:solidFill>
@@ -2219,7 +2226,7 @@
             </a:ln>
             <a:extLst>
               <a:ext uri="{91240B29-F687-4f45-9708-019B960494DF}">
-                <a14:hiddenLine xmlns:a14="http://schemas.microsoft.com/office/drawing/2010/main" xmlns="" w="9525">
+                <a14:hiddenLine xmlns="" xmlns:a14="http://schemas.microsoft.com/office/drawing/2010/main" w="9525">
                   <a:solidFill>
                     <a:srgbClr val="000000"/>
                   </a:solidFill>
@@ -2309,7 +2316,7 @@
             </a:ln>
             <a:extLst>
               <a:ext uri="{91240B29-F687-4f45-9708-019B960494DF}">
-                <a14:hiddenLine xmlns:a14="http://schemas.microsoft.com/office/drawing/2010/main" xmlns="" w="9525">
+                <a14:hiddenLine xmlns="" xmlns:a14="http://schemas.microsoft.com/office/drawing/2010/main" w="9525">
                   <a:solidFill>
                     <a:srgbClr val="000000"/>
                   </a:solidFill>
@@ -2343,7 +2350,7 @@
             </a:ln>
             <a:extLst>
               <a:ext uri="{91240B29-F687-4f45-9708-019B960494DF}">
-                <a14:hiddenLine xmlns:a14="http://schemas.microsoft.com/office/drawing/2010/main" xmlns="" w="9525">
+                <a14:hiddenLine xmlns="" xmlns:a14="http://schemas.microsoft.com/office/drawing/2010/main" w="9525">
                   <a:solidFill>
                     <a:srgbClr val="000000"/>
                   </a:solidFill>
@@ -2433,7 +2440,7 @@
             </a:ln>
             <a:extLst>
               <a:ext uri="{91240B29-F687-4f45-9708-019B960494DF}">
-                <a14:hiddenLine xmlns:a14="http://schemas.microsoft.com/office/drawing/2010/main" xmlns="" w="9525">
+                <a14:hiddenLine xmlns="" xmlns:a14="http://schemas.microsoft.com/office/drawing/2010/main" w="9525">
                   <a:solidFill>
                     <a:srgbClr val="000000"/>
                   </a:solidFill>
@@ -2495,7 +2502,7 @@
             </a:ln>
             <a:extLst>
               <a:ext uri="{91240B29-F687-4f45-9708-019B960494DF}">
-                <a14:hiddenLine xmlns:a14="http://schemas.microsoft.com/office/drawing/2010/main" xmlns="" w="9525">
+                <a14:hiddenLine xmlns="" xmlns:a14="http://schemas.microsoft.com/office/drawing/2010/main" w="9525">
                   <a:solidFill>
                     <a:srgbClr val="000000"/>
                   </a:solidFill>
@@ -2557,7 +2564,7 @@
             </a:ln>
             <a:extLst>
               <a:ext uri="{91240B29-F687-4f45-9708-019B960494DF}">
-                <a14:hiddenLine xmlns:a14="http://schemas.microsoft.com/office/drawing/2010/main" xmlns="" w="9525">
+                <a14:hiddenLine xmlns="" xmlns:a14="http://schemas.microsoft.com/office/drawing/2010/main" w="9525">
                   <a:solidFill>
                     <a:srgbClr val="000000"/>
                   </a:solidFill>
@@ -2647,7 +2654,7 @@
             </a:ln>
             <a:extLst>
               <a:ext uri="{91240B29-F687-4f45-9708-019B960494DF}">
-                <a14:hiddenLine xmlns:a14="http://schemas.microsoft.com/office/drawing/2010/main" xmlns="" w="9525">
+                <a14:hiddenLine xmlns="" xmlns:a14="http://schemas.microsoft.com/office/drawing/2010/main" w="9525">
                   <a:solidFill>
                     <a:srgbClr val="000000"/>
                   </a:solidFill>
@@ -2715,7 +2722,7 @@
             </a:ln>
             <a:extLst>
               <a:ext uri="{91240B29-F687-4f45-9708-019B960494DF}">
-                <a14:hiddenLine xmlns:a14="http://schemas.microsoft.com/office/drawing/2010/main" xmlns="" w="9525">
+                <a14:hiddenLine xmlns="" xmlns:a14="http://schemas.microsoft.com/office/drawing/2010/main" w="9525">
                   <a:solidFill>
                     <a:srgbClr val="000000"/>
                   </a:solidFill>
@@ -2777,7 +2784,7 @@
             </a:ln>
             <a:extLst>
               <a:ext uri="{91240B29-F687-4f45-9708-019B960494DF}">
-                <a14:hiddenLine xmlns:a14="http://schemas.microsoft.com/office/drawing/2010/main" xmlns="" w="9525">
+                <a14:hiddenLine xmlns="" xmlns:a14="http://schemas.microsoft.com/office/drawing/2010/main" w="9525">
                   <a:solidFill>
                     <a:srgbClr val="000000"/>
                   </a:solidFill>
@@ -2867,7 +2874,7 @@
             </a:ln>
             <a:extLst>
               <a:ext uri="{91240B29-F687-4f45-9708-019B960494DF}">
-                <a14:hiddenLine xmlns:a14="http://schemas.microsoft.com/office/drawing/2010/main" xmlns="" w="9525">
+                <a14:hiddenLine xmlns="" xmlns:a14="http://schemas.microsoft.com/office/drawing/2010/main" w="9525">
                   <a:solidFill>
                     <a:srgbClr val="000000"/>
                   </a:solidFill>
@@ -2929,7 +2936,7 @@
             </a:ln>
             <a:extLst>
               <a:ext uri="{91240B29-F687-4f45-9708-019B960494DF}">
-                <a14:hiddenLine xmlns:a14="http://schemas.microsoft.com/office/drawing/2010/main" xmlns="" w="9525">
+                <a14:hiddenLine xmlns="" xmlns:a14="http://schemas.microsoft.com/office/drawing/2010/main" w="9525">
                   <a:solidFill>
                     <a:srgbClr val="000000"/>
                   </a:solidFill>
@@ -3019,7 +3026,7 @@
             </a:ln>
             <a:extLst>
               <a:ext uri="{91240B29-F687-4f45-9708-019B960494DF}">
-                <a14:hiddenLine xmlns:a14="http://schemas.microsoft.com/office/drawing/2010/main" xmlns="" w="9525">
+                <a14:hiddenLine xmlns="" xmlns:a14="http://schemas.microsoft.com/office/drawing/2010/main" w="9525">
                   <a:solidFill>
                     <a:srgbClr val="000000"/>
                   </a:solidFill>
@@ -3081,7 +3088,7 @@
             </a:ln>
             <a:extLst>
               <a:ext uri="{91240B29-F687-4f45-9708-019B960494DF}">
-                <a14:hiddenLine xmlns:a14="http://schemas.microsoft.com/office/drawing/2010/main" xmlns="" w="9525">
+                <a14:hiddenLine xmlns="" xmlns:a14="http://schemas.microsoft.com/office/drawing/2010/main" w="9525">
                   <a:solidFill>
                     <a:srgbClr val="000000"/>
                   </a:solidFill>
@@ -3171,7 +3178,7 @@
             </a:ln>
             <a:extLst>
               <a:ext uri="{91240B29-F687-4f45-9708-019B960494DF}">
-                <a14:hiddenLine xmlns:a14="http://schemas.microsoft.com/office/drawing/2010/main" xmlns="" w="9525">
+                <a14:hiddenLine xmlns="" xmlns:a14="http://schemas.microsoft.com/office/drawing/2010/main" w="9525">
                   <a:solidFill>
                     <a:srgbClr val="000000"/>
                   </a:solidFill>
@@ -3205,7 +3212,7 @@
             </a:ln>
             <a:extLst>
               <a:ext uri="{91240B29-F687-4f45-9708-019B960494DF}">
-                <a14:hiddenLine xmlns:a14="http://schemas.microsoft.com/office/drawing/2010/main" xmlns="" w="9525">
+                <a14:hiddenLine xmlns="" xmlns:a14="http://schemas.microsoft.com/office/drawing/2010/main" w="9525">
                   <a:solidFill>
                     <a:srgbClr val="000000"/>
                   </a:solidFill>
@@ -3270,7 +3277,7 @@
             </a:ln>
             <a:extLst>
               <a:ext uri="{91240B29-F687-4f45-9708-019B960494DF}">
-                <a14:hiddenLine xmlns:a14="http://schemas.microsoft.com/office/drawing/2010/main" xmlns="" w="9525">
+                <a14:hiddenLine xmlns="" xmlns:a14="http://schemas.microsoft.com/office/drawing/2010/main" w="9525">
                   <a:solidFill>
                     <a:srgbClr val="000000"/>
                   </a:solidFill>
@@ -3360,7 +3367,7 @@
             </a:ln>
             <a:extLst>
               <a:ext uri="{91240B29-F687-4f45-9708-019B960494DF}">
-                <a14:hiddenLine xmlns:a14="http://schemas.microsoft.com/office/drawing/2010/main" xmlns="" w="9525">
+                <a14:hiddenLine xmlns="" xmlns:a14="http://schemas.microsoft.com/office/drawing/2010/main" w="9525">
                   <a:solidFill>
                     <a:srgbClr val="000000"/>
                   </a:solidFill>
@@ -3422,7 +3429,7 @@
             </a:ln>
             <a:extLst>
               <a:ext uri="{91240B29-F687-4f45-9708-019B960494DF}">
-                <a14:hiddenLine xmlns:a14="http://schemas.microsoft.com/office/drawing/2010/main" xmlns="" w="9525">
+                <a14:hiddenLine xmlns="" xmlns:a14="http://schemas.microsoft.com/office/drawing/2010/main" w="9525">
                   <a:solidFill>
                     <a:srgbClr val="000000"/>
                   </a:solidFill>
@@ -3512,7 +3519,7 @@
             </a:ln>
             <a:extLst>
               <a:ext uri="{91240B29-F687-4f45-9708-019B960494DF}">
-                <a14:hiddenLine xmlns:a14="http://schemas.microsoft.com/office/drawing/2010/main" xmlns="" w="9525">
+                <a14:hiddenLine xmlns="" xmlns:a14="http://schemas.microsoft.com/office/drawing/2010/main" w="9525">
                   <a:solidFill>
                     <a:srgbClr val="000000"/>
                   </a:solidFill>
@@ -3602,7 +3609,7 @@
             </a:ln>
             <a:extLst>
               <a:ext uri="{91240B29-F687-4f45-9708-019B960494DF}">
-                <a14:hiddenLine xmlns:a14="http://schemas.microsoft.com/office/drawing/2010/main" xmlns="" w="9525">
+                <a14:hiddenLine xmlns="" xmlns:a14="http://schemas.microsoft.com/office/drawing/2010/main" w="9525">
                   <a:solidFill>
                     <a:srgbClr val="000000"/>
                   </a:solidFill>
@@ -3667,7 +3674,7 @@
             </a:ln>
             <a:extLst>
               <a:ext uri="{91240B29-F687-4f45-9708-019B960494DF}">
-                <a14:hiddenLine xmlns:a14="http://schemas.microsoft.com/office/drawing/2010/main" xmlns="" w="9525">
+                <a14:hiddenLine xmlns="" xmlns:a14="http://schemas.microsoft.com/office/drawing/2010/main" w="9525">
                   <a:solidFill>
                     <a:srgbClr val="000000"/>
                   </a:solidFill>
@@ -3729,7 +3736,7 @@
             </a:ln>
             <a:extLst>
               <a:ext uri="{91240B29-F687-4f45-9708-019B960494DF}">
-                <a14:hiddenLine xmlns:a14="http://schemas.microsoft.com/office/drawing/2010/main" xmlns="" w="9525">
+                <a14:hiddenLine xmlns="" xmlns:a14="http://schemas.microsoft.com/office/drawing/2010/main" w="9525">
                   <a:solidFill>
                     <a:srgbClr val="000000"/>
                   </a:solidFill>
@@ -3819,7 +3826,7 @@
             </a:ln>
             <a:extLst>
               <a:ext uri="{91240B29-F687-4f45-9708-019B960494DF}">
-                <a14:hiddenLine xmlns:a14="http://schemas.microsoft.com/office/drawing/2010/main" xmlns="" w="9525">
+                <a14:hiddenLine xmlns="" xmlns:a14="http://schemas.microsoft.com/office/drawing/2010/main" w="9525">
                   <a:solidFill>
                     <a:srgbClr val="000000"/>
                   </a:solidFill>
@@ -3909,7 +3916,7 @@
             </a:ln>
             <a:extLst>
               <a:ext uri="{91240B29-F687-4f45-9708-019B960494DF}">
-                <a14:hiddenLine xmlns:a14="http://schemas.microsoft.com/office/drawing/2010/main" xmlns="" w="9525">
+                <a14:hiddenLine xmlns="" xmlns:a14="http://schemas.microsoft.com/office/drawing/2010/main" w="9525">
                   <a:solidFill>
                     <a:srgbClr val="000000"/>
                   </a:solidFill>
@@ -3971,7 +3978,7 @@
             </a:ln>
             <a:extLst>
               <a:ext uri="{91240B29-F687-4f45-9708-019B960494DF}">
-                <a14:hiddenLine xmlns:a14="http://schemas.microsoft.com/office/drawing/2010/main" xmlns="" w="9525">
+                <a14:hiddenLine xmlns="" xmlns:a14="http://schemas.microsoft.com/office/drawing/2010/main" w="9525">
                   <a:solidFill>
                     <a:srgbClr val="000000"/>
                   </a:solidFill>
@@ -4091,7 +4098,7 @@
             </a:ln>
             <a:extLst>
               <a:ext uri="{91240B29-F687-4f45-9708-019B960494DF}">
-                <a14:hiddenLine xmlns:a14="http://schemas.microsoft.com/office/drawing/2010/main" xmlns="" w="9525">
+                <a14:hiddenLine xmlns="" xmlns:a14="http://schemas.microsoft.com/office/drawing/2010/main" w="9525">
                   <a:solidFill>
                     <a:srgbClr val="000000"/>
                   </a:solidFill>
@@ -4159,7 +4166,7 @@
             </a:ln>
             <a:extLst>
               <a:ext uri="{91240B29-F687-4f45-9708-019B960494DF}">
-                <a14:hiddenLine xmlns:a14="http://schemas.microsoft.com/office/drawing/2010/main" xmlns="" w="9525">
+                <a14:hiddenLine xmlns="" xmlns:a14="http://schemas.microsoft.com/office/drawing/2010/main" w="9525">
                   <a:solidFill>
                     <a:srgbClr val="000000"/>
                   </a:solidFill>
@@ -4249,7 +4256,7 @@
             </a:ln>
             <a:extLst>
               <a:ext uri="{91240B29-F687-4f45-9708-019B960494DF}">
-                <a14:hiddenLine xmlns:a14="http://schemas.microsoft.com/office/drawing/2010/main" xmlns="" w="9525">
+                <a14:hiddenLine xmlns="" xmlns:a14="http://schemas.microsoft.com/office/drawing/2010/main" w="9525">
                   <a:solidFill>
                     <a:srgbClr val="000000"/>
                   </a:solidFill>
@@ -4389,7 +4396,7 @@
           <a:p>
             <a:fld id="{48A87A34-81AB-432B-8DAE-1953F412C126}" type="datetimeFigureOut">
               <a:rPr lang="en-US" dirty="0"/>
-              <a:t>10/11/21</a:t>
+              <a:t>10/12/21</a:t>
             </a:fld>
             <a:endParaRPr lang="en-US" dirty="0"/>
           </a:p>
@@ -4651,7 +4658,7 @@
           <a:p>
             <a:fld id="{48A87A34-81AB-432B-8DAE-1953F412C126}" type="datetimeFigureOut">
               <a:rPr lang="en-US" dirty="0"/>
-              <a:t>10/11/21</a:t>
+              <a:t>10/12/21</a:t>
             </a:fld>
             <a:endParaRPr lang="en-US" dirty="0"/>
           </a:p>
@@ -4842,7 +4849,7 @@
           <a:p>
             <a:fld id="{48A87A34-81AB-432B-8DAE-1953F412C126}" type="datetimeFigureOut">
               <a:rPr lang="en-US" dirty="0"/>
-              <a:t>10/11/21</a:t>
+              <a:t>10/12/21</a:t>
             </a:fld>
             <a:endParaRPr lang="en-US" dirty="0"/>
           </a:p>
@@ -5100,7 +5107,7 @@
           <a:p>
             <a:fld id="{48A87A34-81AB-432B-8DAE-1953F412C126}" type="datetimeFigureOut">
               <a:rPr lang="en-US" dirty="0"/>
-              <a:t>10/11/21</a:t>
+              <a:t>10/12/21</a:t>
             </a:fld>
             <a:endParaRPr lang="en-US" dirty="0"/>
           </a:p>
@@ -5529,7 +5536,7 @@
           <a:p>
             <a:fld id="{48A87A34-81AB-432B-8DAE-1953F412C126}" type="datetimeFigureOut">
               <a:rPr lang="en-US" dirty="0"/>
-              <a:t>10/11/21</a:t>
+              <a:t>10/12/21</a:t>
             </a:fld>
             <a:endParaRPr lang="en-US" dirty="0"/>
           </a:p>
@@ -6070,7 +6077,7 @@
           <a:p>
             <a:fld id="{48A87A34-81AB-432B-8DAE-1953F412C126}" type="datetimeFigureOut">
               <a:rPr lang="en-US" dirty="0"/>
-              <a:t>10/11/21</a:t>
+              <a:t>10/12/21</a:t>
             </a:fld>
             <a:endParaRPr lang="en-US" dirty="0"/>
           </a:p>
@@ -6785,7 +6792,7 @@
           <a:p>
             <a:fld id="{48A87A34-81AB-432B-8DAE-1953F412C126}" type="datetimeFigureOut">
               <a:rPr lang="en-US" dirty="0"/>
-              <a:t>10/11/21</a:t>
+              <a:t>10/12/21</a:t>
             </a:fld>
             <a:endParaRPr lang="en-US" dirty="0"/>
           </a:p>
@@ -6950,7 +6957,7 @@
           <a:p>
             <a:fld id="{48A87A34-81AB-432B-8DAE-1953F412C126}" type="datetimeFigureOut">
               <a:rPr lang="en-US" dirty="0"/>
-              <a:t>10/11/21</a:t>
+              <a:t>10/12/21</a:t>
             </a:fld>
             <a:endParaRPr lang="en-US" dirty="0"/>
           </a:p>
@@ -7125,7 +7132,7 @@
           <a:p>
             <a:fld id="{48A87A34-81AB-432B-8DAE-1953F412C126}" type="datetimeFigureOut">
               <a:rPr lang="en-US" dirty="0"/>
-              <a:t>10/11/21</a:t>
+              <a:t>10/12/21</a:t>
             </a:fld>
             <a:endParaRPr lang="en-US" dirty="0"/>
           </a:p>
@@ -7290,7 +7297,7 @@
           <a:p>
             <a:fld id="{48A87A34-81AB-432B-8DAE-1953F412C126}" type="datetimeFigureOut">
               <a:rPr lang="en-US" dirty="0"/>
-              <a:t>10/11/21</a:t>
+              <a:t>10/12/21</a:t>
             </a:fld>
             <a:endParaRPr lang="en-US" dirty="0"/>
           </a:p>
@@ -7535,7 +7542,7 @@
           <a:p>
             <a:fld id="{48A87A34-81AB-432B-8DAE-1953F412C126}" type="datetimeFigureOut">
               <a:rPr lang="en-US" dirty="0"/>
-              <a:t>10/11/21</a:t>
+              <a:t>10/12/21</a:t>
             </a:fld>
             <a:endParaRPr lang="en-US" dirty="0"/>
           </a:p>
@@ -7762,7 +7769,7 @@
           <a:p>
             <a:fld id="{48A87A34-81AB-432B-8DAE-1953F412C126}" type="datetimeFigureOut">
               <a:rPr lang="en-US" dirty="0"/>
-              <a:t>10/11/21</a:t>
+              <a:t>10/12/21</a:t>
             </a:fld>
             <a:endParaRPr lang="en-US" dirty="0"/>
           </a:p>
@@ -8138,7 +8145,7 @@
           <a:p>
             <a:fld id="{48A87A34-81AB-432B-8DAE-1953F412C126}" type="datetimeFigureOut">
               <a:rPr lang="en-US" dirty="0"/>
-              <a:t>10/11/21</a:t>
+              <a:t>10/12/21</a:t>
             </a:fld>
             <a:endParaRPr lang="en-US" dirty="0"/>
           </a:p>
@@ -8251,7 +8258,7 @@
           <a:p>
             <a:fld id="{48A87A34-81AB-432B-8DAE-1953F412C126}" type="datetimeFigureOut">
               <a:rPr lang="en-US" dirty="0"/>
-              <a:t>10/11/21</a:t>
+              <a:t>10/12/21</a:t>
             </a:fld>
             <a:endParaRPr lang="en-US" dirty="0"/>
           </a:p>
@@ -8341,7 +8348,7 @@
           <a:p>
             <a:fld id="{48A87A34-81AB-432B-8DAE-1953F412C126}" type="datetimeFigureOut">
               <a:rPr lang="en-US" dirty="0"/>
-              <a:t>10/11/21</a:t>
+              <a:t>10/12/21</a:t>
             </a:fld>
             <a:endParaRPr lang="en-US" dirty="0"/>
           </a:p>
@@ -8585,7 +8592,7 @@
           <a:p>
             <a:fld id="{48A87A34-81AB-432B-8DAE-1953F412C126}" type="datetimeFigureOut">
               <a:rPr lang="en-US" dirty="0"/>
-              <a:t>10/11/21</a:t>
+              <a:t>10/12/21</a:t>
             </a:fld>
             <a:endParaRPr lang="en-US" dirty="0"/>
           </a:p>
@@ -8860,7 +8867,7 @@
           <a:p>
             <a:fld id="{48A87A34-81AB-432B-8DAE-1953F412C126}" type="datetimeFigureOut">
               <a:rPr lang="en-US" dirty="0"/>
-              <a:t>10/11/21</a:t>
+              <a:t>10/12/21</a:t>
             </a:fld>
             <a:endParaRPr lang="en-US" dirty="0"/>
           </a:p>
@@ -8971,7 +8978,7 @@
           <a:noFill/>
           <a:extLst>
             <a:ext uri="{909E8E84-426E-40dd-AFC4-6F175D3DCCD1}">
-              <a14:hiddenFill xmlns:a14="http://schemas.microsoft.com/office/drawing/2010/main" xmlns="">
+              <a14:hiddenFill xmlns="" xmlns:a14="http://schemas.microsoft.com/office/drawing/2010/main">
                 <a:solidFill>
                   <a:srgbClr val="FFFFFF"/>
                 </a:solidFill>
@@ -9045,7 +9052,7 @@
               </a:ln>
               <a:extLst>
                 <a:ext uri="{91240B29-F687-4f45-9708-019B960494DF}">
-                  <a14:hiddenLine xmlns:a14="http://schemas.microsoft.com/office/drawing/2010/main" xmlns="" w="9525">
+                  <a14:hiddenLine xmlns="" xmlns:a14="http://schemas.microsoft.com/office/drawing/2010/main" w="9525">
                     <a:solidFill>
                       <a:srgbClr val="000000"/>
                     </a:solidFill>
@@ -9135,7 +9142,7 @@
               </a:ln>
               <a:extLst>
                 <a:ext uri="{91240B29-F687-4f45-9708-019B960494DF}">
-                  <a14:hiddenLine xmlns:a14="http://schemas.microsoft.com/office/drawing/2010/main" xmlns="" w="9525">
+                  <a14:hiddenLine xmlns="" xmlns:a14="http://schemas.microsoft.com/office/drawing/2010/main" w="9525">
                     <a:solidFill>
                       <a:srgbClr val="000000"/>
                     </a:solidFill>
@@ -9225,7 +9232,7 @@
               </a:ln>
               <a:extLst>
                 <a:ext uri="{91240B29-F687-4f45-9708-019B960494DF}">
-                  <a14:hiddenLine xmlns:a14="http://schemas.microsoft.com/office/drawing/2010/main" xmlns="" w="9525">
+                  <a14:hiddenLine xmlns="" xmlns:a14="http://schemas.microsoft.com/office/drawing/2010/main" w="9525">
                     <a:solidFill>
                       <a:srgbClr val="000000"/>
                     </a:solidFill>
@@ -9287,7 +9294,7 @@
               </a:ln>
               <a:extLst>
                 <a:ext uri="{91240B29-F687-4f45-9708-019B960494DF}">
-                  <a14:hiddenLine xmlns:a14="http://schemas.microsoft.com/office/drawing/2010/main" xmlns="" w="9525">
+                  <a14:hiddenLine xmlns="" xmlns:a14="http://schemas.microsoft.com/office/drawing/2010/main" w="9525">
                     <a:solidFill>
                       <a:srgbClr val="000000"/>
                     </a:solidFill>
@@ -9377,7 +9384,7 @@
               </a:ln>
               <a:extLst>
                 <a:ext uri="{91240B29-F687-4f45-9708-019B960494DF}">
-                  <a14:hiddenLine xmlns:a14="http://schemas.microsoft.com/office/drawing/2010/main" xmlns="" w="9525">
+                  <a14:hiddenLine xmlns="" xmlns:a14="http://schemas.microsoft.com/office/drawing/2010/main" w="9525">
                     <a:solidFill>
                       <a:srgbClr val="000000"/>
                     </a:solidFill>
@@ -9439,7 +9446,7 @@
               </a:ln>
               <a:extLst>
                 <a:ext uri="{91240B29-F687-4f45-9708-019B960494DF}">
-                  <a14:hiddenLine xmlns:a14="http://schemas.microsoft.com/office/drawing/2010/main" xmlns="" w="9525">
+                  <a14:hiddenLine xmlns="" xmlns:a14="http://schemas.microsoft.com/office/drawing/2010/main" w="9525">
                     <a:solidFill>
                       <a:srgbClr val="000000"/>
                     </a:solidFill>
@@ -9501,7 +9508,7 @@
               </a:ln>
               <a:extLst>
                 <a:ext uri="{91240B29-F687-4f45-9708-019B960494DF}">
-                  <a14:hiddenLine xmlns:a14="http://schemas.microsoft.com/office/drawing/2010/main" xmlns="" w="9525">
+                  <a14:hiddenLine xmlns="" xmlns:a14="http://schemas.microsoft.com/office/drawing/2010/main" w="9525">
                     <a:solidFill>
                       <a:srgbClr val="000000"/>
                     </a:solidFill>
@@ -9591,7 +9598,7 @@
               </a:ln>
               <a:extLst>
                 <a:ext uri="{91240B29-F687-4f45-9708-019B960494DF}">
-                  <a14:hiddenLine xmlns:a14="http://schemas.microsoft.com/office/drawing/2010/main" xmlns="" w="9525">
+                  <a14:hiddenLine xmlns="" xmlns:a14="http://schemas.microsoft.com/office/drawing/2010/main" w="9525">
                     <a:solidFill>
                       <a:srgbClr val="000000"/>
                     </a:solidFill>
@@ -9681,7 +9688,7 @@
               </a:ln>
               <a:extLst>
                 <a:ext uri="{91240B29-F687-4f45-9708-019B960494DF}">
-                  <a14:hiddenLine xmlns:a14="http://schemas.microsoft.com/office/drawing/2010/main" xmlns="" w="9525">
+                  <a14:hiddenLine xmlns="" xmlns:a14="http://schemas.microsoft.com/office/drawing/2010/main" w="9525">
                     <a:solidFill>
                       <a:srgbClr val="000000"/>
                     </a:solidFill>
@@ -9743,7 +9750,7 @@
               </a:ln>
               <a:extLst>
                 <a:ext uri="{91240B29-F687-4f45-9708-019B960494DF}">
-                  <a14:hiddenLine xmlns:a14="http://schemas.microsoft.com/office/drawing/2010/main" xmlns="" w="9525">
+                  <a14:hiddenLine xmlns="" xmlns:a14="http://schemas.microsoft.com/office/drawing/2010/main" w="9525">
                     <a:solidFill>
                       <a:srgbClr val="000000"/>
                     </a:solidFill>
@@ -9853,7 +9860,7 @@
               </a:ln>
               <a:extLst>
                 <a:ext uri="{91240B29-F687-4f45-9708-019B960494DF}">
-                  <a14:hiddenLine xmlns:a14="http://schemas.microsoft.com/office/drawing/2010/main" xmlns="" w="9525">
+                  <a14:hiddenLine xmlns="" xmlns:a14="http://schemas.microsoft.com/office/drawing/2010/main" w="9525">
                     <a:solidFill>
                       <a:srgbClr val="000000"/>
                     </a:solidFill>
@@ -9937,7 +9944,7 @@
               </a:ln>
               <a:extLst>
                 <a:ext uri="{91240B29-F687-4f45-9708-019B960494DF}">
-                  <a14:hiddenLine xmlns:a14="http://schemas.microsoft.com/office/drawing/2010/main" xmlns="" w="9525">
+                  <a14:hiddenLine xmlns="" xmlns:a14="http://schemas.microsoft.com/office/drawing/2010/main" w="9525">
                     <a:solidFill>
                       <a:srgbClr val="000000"/>
                     </a:solidFill>
@@ -9999,7 +10006,7 @@
               </a:ln>
               <a:extLst>
                 <a:ext uri="{91240B29-F687-4f45-9708-019B960494DF}">
-                  <a14:hiddenLine xmlns:a14="http://schemas.microsoft.com/office/drawing/2010/main" xmlns="" w="9525">
+                  <a14:hiddenLine xmlns="" xmlns:a14="http://schemas.microsoft.com/office/drawing/2010/main" w="9525">
                     <a:solidFill>
                       <a:srgbClr val="000000"/>
                     </a:solidFill>
@@ -10061,7 +10068,7 @@
               </a:ln>
               <a:extLst>
                 <a:ext uri="{91240B29-F687-4f45-9708-019B960494DF}">
-                  <a14:hiddenLine xmlns:a14="http://schemas.microsoft.com/office/drawing/2010/main" xmlns="" w="9525">
+                  <a14:hiddenLine xmlns="" xmlns:a14="http://schemas.microsoft.com/office/drawing/2010/main" w="9525">
                     <a:solidFill>
                       <a:srgbClr val="000000"/>
                     </a:solidFill>
@@ -10151,7 +10158,7 @@
               </a:ln>
               <a:extLst>
                 <a:ext uri="{91240B29-F687-4f45-9708-019B960494DF}">
-                  <a14:hiddenLine xmlns:a14="http://schemas.microsoft.com/office/drawing/2010/main" xmlns="" w="9525">
+                  <a14:hiddenLine xmlns="" xmlns:a14="http://schemas.microsoft.com/office/drawing/2010/main" w="9525">
                     <a:solidFill>
                       <a:srgbClr val="000000"/>
                     </a:solidFill>
@@ -10185,7 +10192,7 @@
               </a:ln>
               <a:extLst>
                 <a:ext uri="{91240B29-F687-4f45-9708-019B960494DF}">
-                  <a14:hiddenLine xmlns:a14="http://schemas.microsoft.com/office/drawing/2010/main" xmlns="" w="9525">
+                  <a14:hiddenLine xmlns="" xmlns:a14="http://schemas.microsoft.com/office/drawing/2010/main" w="9525">
                     <a:solidFill>
                       <a:srgbClr val="000000"/>
                     </a:solidFill>
@@ -10250,7 +10257,7 @@
               </a:ln>
               <a:extLst>
                 <a:ext uri="{91240B29-F687-4f45-9708-019B960494DF}">
-                  <a14:hiddenLine xmlns:a14="http://schemas.microsoft.com/office/drawing/2010/main" xmlns="" w="9525">
+                  <a14:hiddenLine xmlns="" xmlns:a14="http://schemas.microsoft.com/office/drawing/2010/main" w="9525">
                     <a:solidFill>
                       <a:srgbClr val="000000"/>
                     </a:solidFill>
@@ -10340,7 +10347,7 @@
               </a:ln>
               <a:extLst>
                 <a:ext uri="{91240B29-F687-4f45-9708-019B960494DF}">
-                  <a14:hiddenLine xmlns:a14="http://schemas.microsoft.com/office/drawing/2010/main" xmlns="" w="9525">
+                  <a14:hiddenLine xmlns="" xmlns:a14="http://schemas.microsoft.com/office/drawing/2010/main" w="9525">
                     <a:solidFill>
                       <a:srgbClr val="000000"/>
                     </a:solidFill>
@@ -10402,7 +10409,7 @@
               </a:ln>
               <a:extLst>
                 <a:ext uri="{91240B29-F687-4f45-9708-019B960494DF}">
-                  <a14:hiddenLine xmlns:a14="http://schemas.microsoft.com/office/drawing/2010/main" xmlns="" w="9525">
+                  <a14:hiddenLine xmlns="" xmlns:a14="http://schemas.microsoft.com/office/drawing/2010/main" w="9525">
                     <a:solidFill>
                       <a:srgbClr val="000000"/>
                     </a:solidFill>
@@ -10492,7 +10499,7 @@
               </a:ln>
               <a:extLst>
                 <a:ext uri="{91240B29-F687-4f45-9708-019B960494DF}">
-                  <a14:hiddenLine xmlns:a14="http://schemas.microsoft.com/office/drawing/2010/main" xmlns="" w="9525">
+                  <a14:hiddenLine xmlns="" xmlns:a14="http://schemas.microsoft.com/office/drawing/2010/main" w="9525">
                     <a:solidFill>
                       <a:srgbClr val="000000"/>
                     </a:solidFill>
@@ -10557,7 +10564,7 @@
               </a:ln>
               <a:extLst>
                 <a:ext uri="{91240B29-F687-4f45-9708-019B960494DF}">
-                  <a14:hiddenLine xmlns:a14="http://schemas.microsoft.com/office/drawing/2010/main" xmlns="" w="9525">
+                  <a14:hiddenLine xmlns="" xmlns:a14="http://schemas.microsoft.com/office/drawing/2010/main" w="9525">
                     <a:solidFill>
                       <a:srgbClr val="000000"/>
                     </a:solidFill>
@@ -10619,7 +10626,7 @@
               </a:ln>
               <a:extLst>
                 <a:ext uri="{91240B29-F687-4f45-9708-019B960494DF}">
-                  <a14:hiddenLine xmlns:a14="http://schemas.microsoft.com/office/drawing/2010/main" xmlns="" w="9525">
+                  <a14:hiddenLine xmlns="" xmlns:a14="http://schemas.microsoft.com/office/drawing/2010/main" w="9525">
                     <a:solidFill>
                       <a:srgbClr val="000000"/>
                     </a:solidFill>
@@ -10709,7 +10716,7 @@
               </a:ln>
               <a:extLst>
                 <a:ext uri="{91240B29-F687-4f45-9708-019B960494DF}">
-                  <a14:hiddenLine xmlns:a14="http://schemas.microsoft.com/office/drawing/2010/main" xmlns="" w="9525">
+                  <a14:hiddenLine xmlns="" xmlns:a14="http://schemas.microsoft.com/office/drawing/2010/main" w="9525">
                     <a:solidFill>
                       <a:srgbClr val="000000"/>
                     </a:solidFill>
@@ -10799,7 +10806,7 @@
               </a:ln>
               <a:extLst>
                 <a:ext uri="{91240B29-F687-4f45-9708-019B960494DF}">
-                  <a14:hiddenLine xmlns:a14="http://schemas.microsoft.com/office/drawing/2010/main" xmlns="" w="9525">
+                  <a14:hiddenLine xmlns="" xmlns:a14="http://schemas.microsoft.com/office/drawing/2010/main" w="9525">
                     <a:solidFill>
                       <a:srgbClr val="000000"/>
                     </a:solidFill>
@@ -10864,7 +10871,7 @@
               </a:ln>
               <a:extLst>
                 <a:ext uri="{91240B29-F687-4f45-9708-019B960494DF}">
-                  <a14:hiddenLine xmlns:a14="http://schemas.microsoft.com/office/drawing/2010/main" xmlns="" w="9525">
+                  <a14:hiddenLine xmlns="" xmlns:a14="http://schemas.microsoft.com/office/drawing/2010/main" w="9525">
                     <a:solidFill>
                       <a:srgbClr val="000000"/>
                     </a:solidFill>
@@ -10984,7 +10991,7 @@
               </a:ln>
               <a:extLst>
                 <a:ext uri="{91240B29-F687-4f45-9708-019B960494DF}">
-                  <a14:hiddenLine xmlns:a14="http://schemas.microsoft.com/office/drawing/2010/main" xmlns="" w="9525">
+                  <a14:hiddenLine xmlns="" xmlns:a14="http://schemas.microsoft.com/office/drawing/2010/main" w="9525">
                     <a:solidFill>
                       <a:srgbClr val="000000"/>
                     </a:solidFill>
@@ -11082,7 +11089,7 @@
               </a:ln>
               <a:extLst>
                 <a:ext uri="{91240B29-F687-4f45-9708-019B960494DF}">
-                  <a14:hiddenLine xmlns:a14="http://schemas.microsoft.com/office/drawing/2010/main" xmlns="" w="9525">
+                  <a14:hiddenLine xmlns="" xmlns:a14="http://schemas.microsoft.com/office/drawing/2010/main" w="9525">
                     <a:solidFill>
                       <a:srgbClr val="000000"/>
                     </a:solidFill>
@@ -11197,7 +11204,7 @@
               </a:ln>
               <a:extLst>
                 <a:ext uri="{91240B29-F687-4f45-9708-019B960494DF}">
-                  <a14:hiddenLine xmlns:a14="http://schemas.microsoft.com/office/drawing/2010/main" xmlns="" w="9525">
+                  <a14:hiddenLine xmlns="" xmlns:a14="http://schemas.microsoft.com/office/drawing/2010/main" w="9525">
                     <a:solidFill>
                       <a:srgbClr val="000000"/>
                     </a:solidFill>
@@ -11287,7 +11294,7 @@
               </a:ln>
               <a:extLst>
                 <a:ext uri="{91240B29-F687-4f45-9708-019B960494DF}">
-                  <a14:hiddenLine xmlns:a14="http://schemas.microsoft.com/office/drawing/2010/main" xmlns="" w="9525">
+                  <a14:hiddenLine xmlns="" xmlns:a14="http://schemas.microsoft.com/office/drawing/2010/main" w="9525">
                     <a:solidFill>
                       <a:srgbClr val="000000"/>
                     </a:solidFill>
@@ -11352,7 +11359,7 @@
               </a:ln>
               <a:extLst>
                 <a:ext uri="{91240B29-F687-4f45-9708-019B960494DF}">
-                  <a14:hiddenLine xmlns:a14="http://schemas.microsoft.com/office/drawing/2010/main" xmlns="" w="9525">
+                  <a14:hiddenLine xmlns="" xmlns:a14="http://schemas.microsoft.com/office/drawing/2010/main" w="9525">
                     <a:solidFill>
                       <a:srgbClr val="000000"/>
                     </a:solidFill>
@@ -11442,7 +11449,7 @@
               </a:ln>
               <a:extLst>
                 <a:ext uri="{91240B29-F687-4f45-9708-019B960494DF}">
-                  <a14:hiddenLine xmlns:a14="http://schemas.microsoft.com/office/drawing/2010/main" xmlns="" w="9525">
+                  <a14:hiddenLine xmlns="" xmlns:a14="http://schemas.microsoft.com/office/drawing/2010/main" w="9525">
                     <a:solidFill>
                       <a:srgbClr val="000000"/>
                     </a:solidFill>
@@ -11510,7 +11517,7 @@
               </a:ln>
               <a:extLst>
                 <a:ext uri="{91240B29-F687-4f45-9708-019B960494DF}">
-                  <a14:hiddenLine xmlns:a14="http://schemas.microsoft.com/office/drawing/2010/main" xmlns="" w="9525">
+                  <a14:hiddenLine xmlns="" xmlns:a14="http://schemas.microsoft.com/office/drawing/2010/main" w="9525">
                     <a:solidFill>
                       <a:srgbClr val="000000"/>
                     </a:solidFill>
@@ -11600,7 +11607,7 @@
               </a:ln>
               <a:extLst>
                 <a:ext uri="{91240B29-F687-4f45-9708-019B960494DF}">
-                  <a14:hiddenLine xmlns:a14="http://schemas.microsoft.com/office/drawing/2010/main" xmlns="" w="9525">
+                  <a14:hiddenLine xmlns="" xmlns:a14="http://schemas.microsoft.com/office/drawing/2010/main" w="9525">
                     <a:solidFill>
                       <a:srgbClr val="000000"/>
                     </a:solidFill>
@@ -11668,7 +11675,7 @@
               </a:ln>
               <a:extLst>
                 <a:ext uri="{91240B29-F687-4f45-9708-019B960494DF}">
-                  <a14:hiddenLine xmlns:a14="http://schemas.microsoft.com/office/drawing/2010/main" xmlns="" w="9525">
+                  <a14:hiddenLine xmlns="" xmlns:a14="http://schemas.microsoft.com/office/drawing/2010/main" w="9525">
                     <a:solidFill>
                       <a:srgbClr val="000000"/>
                     </a:solidFill>
@@ -11758,7 +11765,7 @@
               </a:ln>
               <a:extLst>
                 <a:ext uri="{91240B29-F687-4f45-9708-019B960494DF}">
-                  <a14:hiddenLine xmlns:a14="http://schemas.microsoft.com/office/drawing/2010/main" xmlns="" w="9525">
+                  <a14:hiddenLine xmlns="" xmlns:a14="http://schemas.microsoft.com/office/drawing/2010/main" w="9525">
                     <a:solidFill>
                       <a:srgbClr val="000000"/>
                     </a:solidFill>
@@ -11792,7 +11799,7 @@
               </a:ln>
               <a:extLst>
                 <a:ext uri="{91240B29-F687-4f45-9708-019B960494DF}">
-                  <a14:hiddenLine xmlns:a14="http://schemas.microsoft.com/office/drawing/2010/main" xmlns="" w="9525">
+                  <a14:hiddenLine xmlns="" xmlns:a14="http://schemas.microsoft.com/office/drawing/2010/main" w="9525">
                     <a:solidFill>
                       <a:srgbClr val="000000"/>
                     </a:solidFill>
@@ -11933,7 +11940,7 @@
             <a:fld id="{48A87A34-81AB-432B-8DAE-1953F412C126}" type="datetimeFigureOut">
               <a:rPr lang="en-US" dirty="0"/>
               <a:pPr/>
-              <a:t>10/11/21</a:t>
+              <a:t>10/12/21</a:t>
             </a:fld>
             <a:endParaRPr lang="en-US" dirty="0"/>
           </a:p>
@@ -12441,6 +12448,18 @@
   <p:clrMapOvr>
     <a:masterClrMapping/>
   </p:clrMapOvr>
+  <mc:AlternateContent xmlns:mc="http://schemas.openxmlformats.org/markup-compatibility/2006">
+    <mc:Choice xmlns:p15="http://schemas.microsoft.com/office/powerpoint/2012/main" Requires="p15">
+      <p:transition xmlns:p14="http://schemas.microsoft.com/office/powerpoint/2010/main" spd="slow" p14:dur="6000">
+        <p15:prstTrans prst="curtains"/>
+      </p:transition>
+    </mc:Choice>
+    <mc:Fallback>
+      <p:transition spd="slow">
+        <p:fade/>
+      </p:transition>
+    </mc:Fallback>
+  </mc:AlternateContent>
 </p:sld>
 </file>
 
@@ -12518,13 +12537,13 @@
           <a:p>
             <a:r>
               <a:rPr lang="en-US" dirty="0"/>
-              <a:t>Our user is a person with bitcoin or another crypto currency that is looking to see if twitter can be used to predict the movement in the price of a crypto currency</a:t>
+              <a:t>Our user is a person with bitcoin or another crypto currency that is looking to see if twitter can be used to predict the movement in the price of a crypto currency.</a:t>
             </a:r>
           </a:p>
           <a:p>
             <a:r>
               <a:rPr lang="en-US" dirty="0"/>
-              <a:t>Our challenge is to see if using the skills we have learned so far, could we collect and analyze the data, in order to come to some conclusion</a:t>
+              <a:t>Our challenge is to see if using the skills we have learned so far, can we collect and analyze the data, in order to come to some conclusion.</a:t>
             </a:r>
           </a:p>
         </p:txBody>
@@ -12539,6 +12558,18 @@
   <p:clrMapOvr>
     <a:masterClrMapping/>
   </p:clrMapOvr>
+  <mc:AlternateContent xmlns:mc="http://schemas.openxmlformats.org/markup-compatibility/2006">
+    <mc:Choice xmlns:p14="http://schemas.microsoft.com/office/powerpoint/2010/main" Requires="p14">
+      <p:transition spd="slow" p14:dur="1400">
+        <p14:doors dir="vert"/>
+      </p:transition>
+    </mc:Choice>
+    <mc:Fallback>
+      <p:transition spd="slow">
+        <p:fade/>
+      </p:transition>
+    </mc:Fallback>
+  </mc:AlternateContent>
 </p:sld>
 </file>
 
@@ -12707,7 +12738,7 @@
             <a:pPr lvl="2"/>
             <a:r>
               <a:rPr lang="en-US" dirty="0"/>
-              <a:t>Kevin suggested importing directly to a csv</a:t>
+              <a:t>Kevin suggested importing directly to a csv and that worked</a:t>
             </a:r>
           </a:p>
         </p:txBody>
@@ -12722,6 +12753,18 @@
   <p:clrMapOvr>
     <a:masterClrMapping/>
   </p:clrMapOvr>
+  <mc:AlternateContent xmlns:mc="http://schemas.openxmlformats.org/markup-compatibility/2006">
+    <mc:Choice xmlns:p14="http://schemas.microsoft.com/office/powerpoint/2010/main" Requires="p14">
+      <p:transition spd="slow" p14:dur="1400">
+        <p14:doors dir="vert"/>
+      </p:transition>
+    </mc:Choice>
+    <mc:Fallback>
+      <p:transition spd="slow">
+        <p:fade/>
+      </p:transition>
+    </mc:Fallback>
+  </mc:AlternateContent>
 </p:sld>
 </file>
 
@@ -12742,87 +12785,88 @@
           <a:chExt cx="0" cy="0"/>
         </a:xfrm>
       </p:grpSpPr>
-      <p:sp>
-        <p:nvSpPr>
-          <p:cNvPr id="2" name="Title 1">
-            <a:extLst>
-              <a:ext uri="{FF2B5EF4-FFF2-40B4-BE49-F238E27FC236}">
-                <a16:creationId xmlns:a16="http://schemas.microsoft.com/office/drawing/2014/main" id="{D15C56CB-FC5F-5C4D-A207-944A3AE947CC}"/>
-              </a:ext>
-            </a:extLst>
-          </p:cNvPr>
-          <p:cNvSpPr>
-            <a:spLocks noGrp="1"/>
-          </p:cNvSpPr>
-          <p:nvPr>
-            <p:ph type="title"/>
-          </p:nvPr>
-        </p:nvSpPr>
-        <p:spPr/>
-        <p:txBody>
-          <a:bodyPr/>
-          <a:lstStyle/>
-          <a:p>
-            <a:r>
-              <a:rPr lang="en-US" dirty="0"/>
-              <a:t>Approach and Challenges</a:t>
-            </a:r>
-          </a:p>
-        </p:txBody>
-      </p:sp>
-      <p:sp>
-        <p:nvSpPr>
-          <p:cNvPr id="3" name="Content Placeholder 2">
-            <a:extLst>
-              <a:ext uri="{FF2B5EF4-FFF2-40B4-BE49-F238E27FC236}">
-                <a16:creationId xmlns:a16="http://schemas.microsoft.com/office/drawing/2014/main" id="{B6E180A9-6F2B-054D-A2FC-642E0A6B53CF}"/>
-              </a:ext>
-            </a:extLst>
-          </p:cNvPr>
-          <p:cNvSpPr>
-            <a:spLocks noGrp="1"/>
-          </p:cNvSpPr>
-          <p:nvPr>
-            <p:ph idx="1"/>
-          </p:nvPr>
-        </p:nvSpPr>
-        <p:spPr/>
-        <p:txBody>
-          <a:bodyPr/>
-          <a:lstStyle/>
-          <a:p>
-            <a:r>
-              <a:rPr lang="en-US" dirty="0"/>
-              <a:t>Lisa and Meghan focused on collecting bitcoin data</a:t>
-            </a:r>
-          </a:p>
-          <a:p>
-            <a:r>
-              <a:rPr lang="en-US" dirty="0"/>
-              <a:t>Eamon focused on the Twitter data</a:t>
-            </a:r>
-          </a:p>
-          <a:p>
-            <a:r>
-              <a:rPr lang="en-US" dirty="0"/>
-              <a:t>Biggest challenge was the twitter data and getting it into a usable form</a:t>
-            </a:r>
-          </a:p>
-          <a:p>
-            <a:endParaRPr lang="en-US" dirty="0"/>
-          </a:p>
-        </p:txBody>
-      </p:sp>
+      <mc:AlternateContent xmlns:mc="http://schemas.openxmlformats.org/markup-compatibility/2006">
+        <mc:Choice xmlns:we="http://schemas.microsoft.com/office/webextensions/webextension/2010/11" xmlns:pca="http://schemas.microsoft.com/office/powerpoint/2013/contentapp" Requires="we pca">
+          <p:graphicFrame>
+            <p:nvGraphicFramePr>
+              <p:cNvPr id="4" name="Add-in 3" title="Web Viewer">
+                <a:extLst>
+                  <a:ext uri="{FF2B5EF4-FFF2-40B4-BE49-F238E27FC236}">
+                    <a16:creationId xmlns:a16="http://schemas.microsoft.com/office/drawing/2014/main" id="{D280D8B3-165F-D64F-A75F-FF3FF6B4FD66}"/>
+                  </a:ext>
+                </a:extLst>
+              </p:cNvPr>
+              <p:cNvGraphicFramePr>
+                <a:graphicFrameLocks noGrp="1"/>
+              </p:cNvGraphicFramePr>
+              <p:nvPr/>
+            </p:nvGraphicFramePr>
+            <p:xfrm>
+              <a:off x="0" y="0"/>
+              <a:ext cx="12192000" cy="6858000"/>
+            </p:xfrm>
+            <a:graphic>
+              <a:graphicData uri="http://schemas.microsoft.com/office/webextensions/webextension/2010/11">
+                <we:webextensionref xmlns:we="http://schemas.microsoft.com/office/webextensions/webextension/2010/11" xmlns:r="http://schemas.openxmlformats.org/officeDocument/2006/relationships" r:id="rId2"/>
+              </a:graphicData>
+            </a:graphic>
+          </p:graphicFrame>
+        </mc:Choice>
+        <mc:Fallback>
+          <p:pic>
+            <p:nvPicPr>
+              <p:cNvPr id="4" name="Add-in 3" title="Web Viewer">
+                <a:extLst>
+                  <a:ext uri="{FF2B5EF4-FFF2-40B4-BE49-F238E27FC236}">
+                    <a16:creationId xmlns:a16="http://schemas.microsoft.com/office/drawing/2014/main" id="{D280D8B3-165F-D64F-A75F-FF3FF6B4FD66}"/>
+                  </a:ext>
+                </a:extLst>
+              </p:cNvPr>
+              <p:cNvPicPr>
+                <a:picLocks noGrp="1" noRot="1" noChangeAspect="1" noMove="1" noResize="1" noEditPoints="1" noAdjustHandles="1" noChangeArrowheads="1" noChangeShapeType="1"/>
+              </p:cNvPicPr>
+              <p:nvPr/>
+            </p:nvPicPr>
+            <p:blipFill>
+              <a:blip r:embed="rId3"/>
+              <a:stretch>
+                <a:fillRect/>
+              </a:stretch>
+            </p:blipFill>
+            <p:spPr>
+              <a:xfrm>
+                <a:off x="0" y="0"/>
+                <a:ext cx="12192000" cy="6858000"/>
+              </a:xfrm>
+              <a:prstGeom prst="rect">
+                <a:avLst/>
+              </a:prstGeom>
+            </p:spPr>
+          </p:pic>
+        </mc:Fallback>
+      </mc:AlternateContent>
     </p:spTree>
     <p:extLst>
       <p:ext uri="{BB962C8B-B14F-4D97-AF65-F5344CB8AC3E}">
-        <p14:creationId xmlns:p14="http://schemas.microsoft.com/office/powerpoint/2010/main" val="3342850077"/>
+        <p14:creationId xmlns:p14="http://schemas.microsoft.com/office/powerpoint/2010/main" val="283159787"/>
       </p:ext>
     </p:extLst>
   </p:cSld>
   <p:clrMapOvr>
     <a:masterClrMapping/>
   </p:clrMapOvr>
+  <mc:AlternateContent xmlns:mc="http://schemas.openxmlformats.org/markup-compatibility/2006">
+    <mc:Choice xmlns:p14="http://schemas.microsoft.com/office/powerpoint/2010/main" Requires="p14">
+      <p:transition spd="slow" p14:dur="1400">
+        <p14:doors dir="vert"/>
+      </p:transition>
+    </mc:Choice>
+    <mc:Fallback>
+      <p:transition spd="slow">
+        <p:fade/>
+      </p:transition>
+    </mc:Fallback>
+  </mc:AlternateContent>
 </p:sld>
 </file>
 
@@ -12975,7 +13019,7 @@
           <a:noFill/>
           <a:extLst>
             <a:ext uri="{909E8E84-426E-40dd-AFC4-6F175D3DCCD1}">
-              <a14:hiddenFill xmlns="" xmlns:a16="http://schemas.microsoft.com/office/drawing/2014/main" xmlns:p14="http://schemas.microsoft.com/office/powerpoint/2010/main" xmlns:a14="http://schemas.microsoft.com/office/drawing/2010/main">
+              <a14:hiddenFill xmlns:a14="http://schemas.microsoft.com/office/drawing/2010/main" xmlns:p14="http://schemas.microsoft.com/office/powerpoint/2010/main" xmlns:a16="http://schemas.microsoft.com/office/drawing/2014/main" xmlns="">
                 <a:solidFill>
                   <a:srgbClr val="FFFFFF"/>
                 </a:solidFill>
@@ -13190,7 +13234,7 @@
             </a:ln>
             <a:extLst>
               <a:ext uri="{91240B29-F687-4f45-9708-019B960494DF}">
-                <a14:hiddenLine xmlns="" xmlns:a16="http://schemas.microsoft.com/office/drawing/2014/main" xmlns:p14="http://schemas.microsoft.com/office/powerpoint/2010/main" xmlns:a14="http://schemas.microsoft.com/office/drawing/2010/main" w="9525">
+                <a14:hiddenLine xmlns:a14="http://schemas.microsoft.com/office/drawing/2010/main" xmlns:p14="http://schemas.microsoft.com/office/powerpoint/2010/main" xmlns:a16="http://schemas.microsoft.com/office/drawing/2014/main" xmlns="" w="9525">
                   <a:solidFill>
                     <a:srgbClr val="000000"/>
                   </a:solidFill>
@@ -13295,7 +13339,7 @@
             </a:ln>
             <a:extLst>
               <a:ext uri="{91240B29-F687-4f45-9708-019B960494DF}">
-                <a14:hiddenLine xmlns="" xmlns:a16="http://schemas.microsoft.com/office/drawing/2014/main" xmlns:p14="http://schemas.microsoft.com/office/powerpoint/2010/main" xmlns:a14="http://schemas.microsoft.com/office/drawing/2010/main" w="9525">
+                <a14:hiddenLine xmlns:a14="http://schemas.microsoft.com/office/drawing/2010/main" xmlns:p14="http://schemas.microsoft.com/office/powerpoint/2010/main" xmlns:a16="http://schemas.microsoft.com/office/drawing/2014/main" xmlns="" w="9525">
                   <a:solidFill>
                     <a:srgbClr val="000000"/>
                   </a:solidFill>
@@ -13400,7 +13444,7 @@
             </a:ln>
             <a:extLst>
               <a:ext uri="{91240B29-F687-4f45-9708-019B960494DF}">
-                <a14:hiddenLine xmlns="" xmlns:a16="http://schemas.microsoft.com/office/drawing/2014/main" xmlns:p14="http://schemas.microsoft.com/office/powerpoint/2010/main" xmlns:a14="http://schemas.microsoft.com/office/drawing/2010/main" w="9525">
+                <a14:hiddenLine xmlns:a14="http://schemas.microsoft.com/office/drawing/2010/main" xmlns:p14="http://schemas.microsoft.com/office/powerpoint/2010/main" xmlns:a16="http://schemas.microsoft.com/office/drawing/2014/main" xmlns="" w="9525">
                   <a:solidFill>
                     <a:srgbClr val="000000"/>
                   </a:solidFill>
@@ -13477,7 +13521,7 @@
             </a:ln>
             <a:extLst>
               <a:ext uri="{91240B29-F687-4f45-9708-019B960494DF}">
-                <a14:hiddenLine xmlns="" xmlns:a16="http://schemas.microsoft.com/office/drawing/2014/main" xmlns:p14="http://schemas.microsoft.com/office/powerpoint/2010/main" xmlns:a14="http://schemas.microsoft.com/office/drawing/2010/main" w="9525">
+                <a14:hiddenLine xmlns:a14="http://schemas.microsoft.com/office/drawing/2010/main" xmlns:p14="http://schemas.microsoft.com/office/powerpoint/2010/main" xmlns:a16="http://schemas.microsoft.com/office/drawing/2014/main" xmlns="" w="9525">
                   <a:solidFill>
                     <a:srgbClr val="000000"/>
                   </a:solidFill>
@@ -13582,7 +13626,7 @@
             </a:ln>
             <a:extLst>
               <a:ext uri="{91240B29-F687-4f45-9708-019B960494DF}">
-                <a14:hiddenLine xmlns="" xmlns:a16="http://schemas.microsoft.com/office/drawing/2014/main" xmlns:p14="http://schemas.microsoft.com/office/powerpoint/2010/main" xmlns:a14="http://schemas.microsoft.com/office/drawing/2010/main" w="9525">
+                <a14:hiddenLine xmlns:a14="http://schemas.microsoft.com/office/drawing/2010/main" xmlns:p14="http://schemas.microsoft.com/office/powerpoint/2010/main" xmlns:a16="http://schemas.microsoft.com/office/drawing/2014/main" xmlns="" w="9525">
                   <a:solidFill>
                     <a:srgbClr val="000000"/>
                   </a:solidFill>
@@ -13659,7 +13703,7 @@
             </a:ln>
             <a:extLst>
               <a:ext uri="{91240B29-F687-4f45-9708-019B960494DF}">
-                <a14:hiddenLine xmlns="" xmlns:a16="http://schemas.microsoft.com/office/drawing/2014/main" xmlns:p14="http://schemas.microsoft.com/office/powerpoint/2010/main" xmlns:a14="http://schemas.microsoft.com/office/drawing/2010/main" w="9525">
+                <a14:hiddenLine xmlns:a14="http://schemas.microsoft.com/office/drawing/2010/main" xmlns:p14="http://schemas.microsoft.com/office/powerpoint/2010/main" xmlns:a16="http://schemas.microsoft.com/office/drawing/2014/main" xmlns="" w="9525">
                   <a:solidFill>
                     <a:srgbClr val="000000"/>
                   </a:solidFill>
@@ -13736,7 +13780,7 @@
             </a:ln>
             <a:extLst>
               <a:ext uri="{91240B29-F687-4f45-9708-019B960494DF}">
-                <a14:hiddenLine xmlns="" xmlns:a16="http://schemas.microsoft.com/office/drawing/2014/main" xmlns:p14="http://schemas.microsoft.com/office/powerpoint/2010/main" xmlns:a14="http://schemas.microsoft.com/office/drawing/2010/main" w="9525">
+                <a14:hiddenLine xmlns:a14="http://schemas.microsoft.com/office/drawing/2010/main" xmlns:p14="http://schemas.microsoft.com/office/powerpoint/2010/main" xmlns:a16="http://schemas.microsoft.com/office/drawing/2014/main" xmlns="" w="9525">
                   <a:solidFill>
                     <a:srgbClr val="000000"/>
                   </a:solidFill>
@@ -13841,7 +13885,7 @@
             </a:ln>
             <a:extLst>
               <a:ext uri="{91240B29-F687-4f45-9708-019B960494DF}">
-                <a14:hiddenLine xmlns="" xmlns:a16="http://schemas.microsoft.com/office/drawing/2014/main" xmlns:p14="http://schemas.microsoft.com/office/powerpoint/2010/main" xmlns:a14="http://schemas.microsoft.com/office/drawing/2010/main" w="9525">
+                <a14:hiddenLine xmlns:a14="http://schemas.microsoft.com/office/drawing/2010/main" xmlns:p14="http://schemas.microsoft.com/office/powerpoint/2010/main" xmlns:a16="http://schemas.microsoft.com/office/drawing/2014/main" xmlns="" w="9525">
                   <a:solidFill>
                     <a:srgbClr val="000000"/>
                   </a:solidFill>
@@ -13946,7 +13990,7 @@
             </a:ln>
             <a:extLst>
               <a:ext uri="{91240B29-F687-4f45-9708-019B960494DF}">
-                <a14:hiddenLine xmlns="" xmlns:a16="http://schemas.microsoft.com/office/drawing/2014/main" xmlns:p14="http://schemas.microsoft.com/office/powerpoint/2010/main" xmlns:a14="http://schemas.microsoft.com/office/drawing/2010/main" w="9525">
+                <a14:hiddenLine xmlns:a14="http://schemas.microsoft.com/office/drawing/2010/main" xmlns:p14="http://schemas.microsoft.com/office/powerpoint/2010/main" xmlns:a16="http://schemas.microsoft.com/office/drawing/2014/main" xmlns="" w="9525">
                   <a:solidFill>
                     <a:srgbClr val="000000"/>
                   </a:solidFill>
@@ -14023,7 +14067,7 @@
             </a:ln>
             <a:extLst>
               <a:ext uri="{91240B29-F687-4f45-9708-019B960494DF}">
-                <a14:hiddenLine xmlns="" xmlns:a16="http://schemas.microsoft.com/office/drawing/2014/main" xmlns:p14="http://schemas.microsoft.com/office/powerpoint/2010/main" xmlns:a14="http://schemas.microsoft.com/office/drawing/2010/main" w="9525">
+                <a14:hiddenLine xmlns:a14="http://schemas.microsoft.com/office/drawing/2010/main" xmlns:p14="http://schemas.microsoft.com/office/powerpoint/2010/main" xmlns:a16="http://schemas.microsoft.com/office/drawing/2014/main" xmlns="" w="9525">
                   <a:solidFill>
                     <a:srgbClr val="000000"/>
                   </a:solidFill>
@@ -14148,7 +14192,7 @@
             </a:ln>
             <a:extLst>
               <a:ext uri="{91240B29-F687-4f45-9708-019B960494DF}">
-                <a14:hiddenLine xmlns="" xmlns:a16="http://schemas.microsoft.com/office/drawing/2014/main" xmlns:p14="http://schemas.microsoft.com/office/powerpoint/2010/main" xmlns:a14="http://schemas.microsoft.com/office/drawing/2010/main" w="9525">
+                <a14:hiddenLine xmlns:a14="http://schemas.microsoft.com/office/drawing/2010/main" xmlns:p14="http://schemas.microsoft.com/office/powerpoint/2010/main" xmlns:a16="http://schemas.microsoft.com/office/drawing/2014/main" xmlns="" w="9525">
                   <a:solidFill>
                     <a:srgbClr val="000000"/>
                   </a:solidFill>
@@ -14262,7 +14306,7 @@
             </a:ln>
             <a:extLst>
               <a:ext uri="{91240B29-F687-4f45-9708-019B960494DF}">
-                <a14:hiddenLine xmlns="" xmlns:a16="http://schemas.microsoft.com/office/drawing/2014/main" xmlns:p14="http://schemas.microsoft.com/office/powerpoint/2010/main" xmlns:a14="http://schemas.microsoft.com/office/drawing/2010/main" w="9525">
+                <a14:hiddenLine xmlns:a14="http://schemas.microsoft.com/office/drawing/2010/main" xmlns:p14="http://schemas.microsoft.com/office/powerpoint/2010/main" xmlns:a16="http://schemas.microsoft.com/office/drawing/2014/main" xmlns="" w="9525">
                   <a:solidFill>
                     <a:srgbClr val="000000"/>
                   </a:solidFill>
@@ -14339,7 +14383,7 @@
             </a:ln>
             <a:extLst>
               <a:ext uri="{91240B29-F687-4f45-9708-019B960494DF}">
-                <a14:hiddenLine xmlns="" xmlns:a16="http://schemas.microsoft.com/office/drawing/2014/main" xmlns:p14="http://schemas.microsoft.com/office/powerpoint/2010/main" xmlns:a14="http://schemas.microsoft.com/office/drawing/2010/main" w="9525">
+                <a14:hiddenLine xmlns:a14="http://schemas.microsoft.com/office/drawing/2010/main" xmlns:p14="http://schemas.microsoft.com/office/powerpoint/2010/main" xmlns:a16="http://schemas.microsoft.com/office/drawing/2014/main" xmlns="" w="9525">
                   <a:solidFill>
                     <a:srgbClr val="000000"/>
                   </a:solidFill>
@@ -14416,7 +14460,7 @@
             </a:ln>
             <a:extLst>
               <a:ext uri="{91240B29-F687-4f45-9708-019B960494DF}">
-                <a14:hiddenLine xmlns="" xmlns:a16="http://schemas.microsoft.com/office/drawing/2014/main" xmlns:p14="http://schemas.microsoft.com/office/powerpoint/2010/main" xmlns:a14="http://schemas.microsoft.com/office/drawing/2010/main" w="9525">
+                <a14:hiddenLine xmlns:a14="http://schemas.microsoft.com/office/drawing/2010/main" xmlns:p14="http://schemas.microsoft.com/office/powerpoint/2010/main" xmlns:a16="http://schemas.microsoft.com/office/drawing/2014/main" xmlns="" w="9525">
                   <a:solidFill>
                     <a:srgbClr val="000000"/>
                   </a:solidFill>
@@ -14521,7 +14565,7 @@
             </a:ln>
             <a:extLst>
               <a:ext uri="{91240B29-F687-4f45-9708-019B960494DF}">
-                <a14:hiddenLine xmlns="" xmlns:a16="http://schemas.microsoft.com/office/drawing/2014/main" xmlns:p14="http://schemas.microsoft.com/office/powerpoint/2010/main" xmlns:a14="http://schemas.microsoft.com/office/drawing/2010/main" w="9525">
+                <a14:hiddenLine xmlns:a14="http://schemas.microsoft.com/office/drawing/2010/main" xmlns:p14="http://schemas.microsoft.com/office/powerpoint/2010/main" xmlns:a16="http://schemas.microsoft.com/office/drawing/2014/main" xmlns="" w="9525">
                   <a:solidFill>
                     <a:srgbClr val="000000"/>
                   </a:solidFill>
@@ -14570,7 +14614,7 @@
             </a:ln>
             <a:extLst>
               <a:ext uri="{91240B29-F687-4f45-9708-019B960494DF}">
-                <a14:hiddenLine xmlns="" xmlns:a16="http://schemas.microsoft.com/office/drawing/2014/main" xmlns:p14="http://schemas.microsoft.com/office/powerpoint/2010/main" xmlns:a14="http://schemas.microsoft.com/office/drawing/2010/main" w="9525">
+                <a14:hiddenLine xmlns:a14="http://schemas.microsoft.com/office/drawing/2010/main" xmlns:p14="http://schemas.microsoft.com/office/powerpoint/2010/main" xmlns:a16="http://schemas.microsoft.com/office/drawing/2014/main" xmlns="" w="9525">
                   <a:solidFill>
                     <a:srgbClr val="000000"/>
                   </a:solidFill>
@@ -14650,7 +14694,7 @@
             </a:ln>
             <a:extLst>
               <a:ext uri="{91240B29-F687-4f45-9708-019B960494DF}">
-                <a14:hiddenLine xmlns="" xmlns:a16="http://schemas.microsoft.com/office/drawing/2014/main" xmlns:p14="http://schemas.microsoft.com/office/powerpoint/2010/main" xmlns:a14="http://schemas.microsoft.com/office/drawing/2010/main" w="9525">
+                <a14:hiddenLine xmlns:a14="http://schemas.microsoft.com/office/drawing/2010/main" xmlns:p14="http://schemas.microsoft.com/office/powerpoint/2010/main" xmlns:a16="http://schemas.microsoft.com/office/drawing/2014/main" xmlns="" w="9525">
                   <a:solidFill>
                     <a:srgbClr val="000000"/>
                   </a:solidFill>
@@ -14755,7 +14799,7 @@
             </a:ln>
             <a:extLst>
               <a:ext uri="{91240B29-F687-4f45-9708-019B960494DF}">
-                <a14:hiddenLine xmlns="" xmlns:a16="http://schemas.microsoft.com/office/drawing/2014/main" xmlns:p14="http://schemas.microsoft.com/office/powerpoint/2010/main" xmlns:a14="http://schemas.microsoft.com/office/drawing/2010/main" w="9525">
+                <a14:hiddenLine xmlns:a14="http://schemas.microsoft.com/office/drawing/2010/main" xmlns:p14="http://schemas.microsoft.com/office/powerpoint/2010/main" xmlns:a16="http://schemas.microsoft.com/office/drawing/2014/main" xmlns="" w="9525">
                   <a:solidFill>
                     <a:srgbClr val="000000"/>
                   </a:solidFill>
@@ -14832,7 +14876,7 @@
             </a:ln>
             <a:extLst>
               <a:ext uri="{91240B29-F687-4f45-9708-019B960494DF}">
-                <a14:hiddenLine xmlns="" xmlns:a16="http://schemas.microsoft.com/office/drawing/2014/main" xmlns:p14="http://schemas.microsoft.com/office/powerpoint/2010/main" xmlns:a14="http://schemas.microsoft.com/office/drawing/2010/main" w="9525">
+                <a14:hiddenLine xmlns:a14="http://schemas.microsoft.com/office/drawing/2010/main" xmlns:p14="http://schemas.microsoft.com/office/powerpoint/2010/main" xmlns:a16="http://schemas.microsoft.com/office/drawing/2014/main" xmlns="" w="9525">
                   <a:solidFill>
                     <a:srgbClr val="000000"/>
                   </a:solidFill>
@@ -14937,7 +14981,7 @@
             </a:ln>
             <a:extLst>
               <a:ext uri="{91240B29-F687-4f45-9708-019B960494DF}">
-                <a14:hiddenLine xmlns="" xmlns:a16="http://schemas.microsoft.com/office/drawing/2014/main" xmlns:p14="http://schemas.microsoft.com/office/powerpoint/2010/main" xmlns:a14="http://schemas.microsoft.com/office/drawing/2010/main" w="9525">
+                <a14:hiddenLine xmlns:a14="http://schemas.microsoft.com/office/drawing/2010/main" xmlns:p14="http://schemas.microsoft.com/office/powerpoint/2010/main" xmlns:a16="http://schemas.microsoft.com/office/drawing/2014/main" xmlns="" w="9525">
                   <a:solidFill>
                     <a:srgbClr val="000000"/>
                   </a:solidFill>
@@ -15017,7 +15061,7 @@
             </a:ln>
             <a:extLst>
               <a:ext uri="{91240B29-F687-4f45-9708-019B960494DF}">
-                <a14:hiddenLine xmlns="" xmlns:a16="http://schemas.microsoft.com/office/drawing/2014/main" xmlns:p14="http://schemas.microsoft.com/office/powerpoint/2010/main" xmlns:a14="http://schemas.microsoft.com/office/drawing/2010/main" w="9525">
+                <a14:hiddenLine xmlns:a14="http://schemas.microsoft.com/office/drawing/2010/main" xmlns:p14="http://schemas.microsoft.com/office/powerpoint/2010/main" xmlns:a16="http://schemas.microsoft.com/office/drawing/2014/main" xmlns="" w="9525">
                   <a:solidFill>
                     <a:srgbClr val="000000"/>
                   </a:solidFill>
@@ -15094,7 +15138,7 @@
             </a:ln>
             <a:extLst>
               <a:ext uri="{91240B29-F687-4f45-9708-019B960494DF}">
-                <a14:hiddenLine xmlns="" xmlns:a16="http://schemas.microsoft.com/office/drawing/2014/main" xmlns:p14="http://schemas.microsoft.com/office/powerpoint/2010/main" xmlns:a14="http://schemas.microsoft.com/office/drawing/2010/main" w="9525">
+                <a14:hiddenLine xmlns:a14="http://schemas.microsoft.com/office/drawing/2010/main" xmlns:p14="http://schemas.microsoft.com/office/powerpoint/2010/main" xmlns:a16="http://schemas.microsoft.com/office/drawing/2014/main" xmlns="" w="9525">
                   <a:solidFill>
                     <a:srgbClr val="000000"/>
                   </a:solidFill>
@@ -15199,7 +15243,7 @@
             </a:ln>
             <a:extLst>
               <a:ext uri="{91240B29-F687-4f45-9708-019B960494DF}">
-                <a14:hiddenLine xmlns="" xmlns:a16="http://schemas.microsoft.com/office/drawing/2014/main" xmlns:p14="http://schemas.microsoft.com/office/powerpoint/2010/main" xmlns:a14="http://schemas.microsoft.com/office/drawing/2010/main" w="9525">
+                <a14:hiddenLine xmlns:a14="http://schemas.microsoft.com/office/drawing/2010/main" xmlns:p14="http://schemas.microsoft.com/office/powerpoint/2010/main" xmlns:a16="http://schemas.microsoft.com/office/drawing/2014/main" xmlns="" w="9525">
                   <a:solidFill>
                     <a:srgbClr val="000000"/>
                   </a:solidFill>
@@ -15304,7 +15348,7 @@
             </a:ln>
             <a:extLst>
               <a:ext uri="{91240B29-F687-4f45-9708-019B960494DF}">
-                <a14:hiddenLine xmlns="" xmlns:a16="http://schemas.microsoft.com/office/drawing/2014/main" xmlns:p14="http://schemas.microsoft.com/office/powerpoint/2010/main" xmlns:a14="http://schemas.microsoft.com/office/drawing/2010/main" w="9525">
+                <a14:hiddenLine xmlns:a14="http://schemas.microsoft.com/office/drawing/2010/main" xmlns:p14="http://schemas.microsoft.com/office/powerpoint/2010/main" xmlns:a16="http://schemas.microsoft.com/office/drawing/2014/main" xmlns="" w="9525">
                   <a:solidFill>
                     <a:srgbClr val="000000"/>
                   </a:solidFill>
@@ -15384,7 +15428,7 @@
             </a:ln>
             <a:extLst>
               <a:ext uri="{91240B29-F687-4f45-9708-019B960494DF}">
-                <a14:hiddenLine xmlns="" xmlns:a16="http://schemas.microsoft.com/office/drawing/2014/main" xmlns:p14="http://schemas.microsoft.com/office/powerpoint/2010/main" xmlns:a14="http://schemas.microsoft.com/office/drawing/2010/main" w="9525">
+                <a14:hiddenLine xmlns:a14="http://schemas.microsoft.com/office/drawing/2010/main" xmlns:p14="http://schemas.microsoft.com/office/powerpoint/2010/main" xmlns:a16="http://schemas.microsoft.com/office/drawing/2014/main" xmlns="" w="9525">
                   <a:solidFill>
                     <a:srgbClr val="000000"/>
                   </a:solidFill>
@@ -15519,7 +15563,7 @@
             </a:ln>
             <a:extLst>
               <a:ext uri="{91240B29-F687-4f45-9708-019B960494DF}">
-                <a14:hiddenLine xmlns="" xmlns:a16="http://schemas.microsoft.com/office/drawing/2014/main" xmlns:p14="http://schemas.microsoft.com/office/powerpoint/2010/main" xmlns:a14="http://schemas.microsoft.com/office/drawing/2010/main" w="9525">
+                <a14:hiddenLine xmlns:a14="http://schemas.microsoft.com/office/drawing/2010/main" xmlns:p14="http://schemas.microsoft.com/office/powerpoint/2010/main" xmlns:a16="http://schemas.microsoft.com/office/drawing/2014/main" xmlns="" w="9525">
                   <a:solidFill>
                     <a:srgbClr val="000000"/>
                   </a:solidFill>
@@ -15542,6 +15586,18 @@
   <p:clrMapOvr>
     <a:masterClrMapping/>
   </p:clrMapOvr>
+  <mc:AlternateContent xmlns:mc="http://schemas.openxmlformats.org/markup-compatibility/2006">
+    <mc:Choice xmlns:p14="http://schemas.microsoft.com/office/powerpoint/2010/main" Requires="p14">
+      <p:transition spd="slow" p14:dur="1400">
+        <p14:doors dir="vert"/>
+      </p:transition>
+    </mc:Choice>
+    <mc:Fallback>
+      <p:transition spd="slow">
+        <p:fade/>
+      </p:transition>
+    </mc:Fallback>
+  </mc:AlternateContent>
 </p:sld>
 </file>
 
@@ -15585,7 +15641,7 @@
           <a:p>
             <a:r>
               <a:rPr lang="en-US" dirty="0"/>
-              <a:t>Findings and More Questions</a:t>
+              <a:t>More Questions</a:t>
             </a:r>
           </a:p>
         </p:txBody>
@@ -15611,7 +15667,28 @@
           <a:bodyPr/>
           <a:lstStyle/>
           <a:p>
-            <a:endParaRPr lang="en-US"/>
+            <a:r>
+              <a:rPr lang="en-US" dirty="0"/>
+              <a:t>If we analyzed the spikes in tweet count could we find a predictive relationship?</a:t>
+            </a:r>
+          </a:p>
+          <a:p>
+            <a:r>
+              <a:rPr lang="en-US" dirty="0"/>
+              <a:t>Is there a pattern to the relationship between bitcoin price and tweet count?</a:t>
+            </a:r>
+          </a:p>
+          <a:p>
+            <a:r>
+              <a:rPr lang="en-US" dirty="0"/>
+              <a:t>Does sentiment of the tweet change the relationship?</a:t>
+            </a:r>
+          </a:p>
+          <a:p>
+            <a:r>
+              <a:rPr lang="en-US" dirty="0"/>
+              <a:t>Are there other social media sources that would be more predictive?</a:t>
+            </a:r>
           </a:p>
         </p:txBody>
       </p:sp>
@@ -15625,10 +15702,231 @@
   <p:clrMapOvr>
     <a:masterClrMapping/>
   </p:clrMapOvr>
+  <mc:AlternateContent xmlns:mc="http://schemas.openxmlformats.org/markup-compatibility/2006">
+    <mc:Choice xmlns:p14="http://schemas.microsoft.com/office/powerpoint/2010/main" Requires="p14">
+      <p:transition spd="slow" p14:dur="1400">
+        <p14:doors dir="vert"/>
+      </p:transition>
+    </mc:Choice>
+    <mc:Fallback>
+      <p:transition spd="slow">
+        <p:fade/>
+      </p:transition>
+    </mc:Fallback>
+  </mc:AlternateContent>
 </p:sld>
 </file>
 
 <file path=ppt/slides/slide7.xml><?xml version="1.0" encoding="utf-8"?>
+<p:sld xmlns:a="http://schemas.openxmlformats.org/drawingml/2006/main" xmlns:r="http://schemas.openxmlformats.org/officeDocument/2006/relationships" xmlns:p="http://schemas.openxmlformats.org/presentationml/2006/main">
+  <p:cSld>
+    <p:spTree>
+      <p:nvGrpSpPr>
+        <p:cNvPr id="1" name=""/>
+        <p:cNvGrpSpPr/>
+        <p:nvPr/>
+      </p:nvGrpSpPr>
+      <p:grpSpPr>
+        <a:xfrm>
+          <a:off x="0" y="0"/>
+          <a:ext cx="0" cy="0"/>
+          <a:chOff x="0" y="0"/>
+          <a:chExt cx="0" cy="0"/>
+        </a:xfrm>
+      </p:grpSpPr>
+      <p:sp>
+        <p:nvSpPr>
+          <p:cNvPr id="2" name="Title 1">
+            <a:extLst>
+              <a:ext uri="{FF2B5EF4-FFF2-40B4-BE49-F238E27FC236}">
+                <a16:creationId xmlns:a16="http://schemas.microsoft.com/office/drawing/2014/main" id="{D15C56CB-FC5F-5C4D-A207-944A3AE947CC}"/>
+              </a:ext>
+            </a:extLst>
+          </p:cNvPr>
+          <p:cNvSpPr>
+            <a:spLocks noGrp="1"/>
+          </p:cNvSpPr>
+          <p:nvPr>
+            <p:ph type="title"/>
+          </p:nvPr>
+        </p:nvSpPr>
+        <p:spPr/>
+        <p:txBody>
+          <a:bodyPr/>
+          <a:lstStyle/>
+          <a:p>
+            <a:r>
+              <a:rPr lang="en-US" dirty="0"/>
+              <a:t>Approach and Challenges</a:t>
+            </a:r>
+          </a:p>
+        </p:txBody>
+      </p:sp>
+      <p:sp>
+        <p:nvSpPr>
+          <p:cNvPr id="3" name="Content Placeholder 2">
+            <a:extLst>
+              <a:ext uri="{FF2B5EF4-FFF2-40B4-BE49-F238E27FC236}">
+                <a16:creationId xmlns:a16="http://schemas.microsoft.com/office/drawing/2014/main" id="{B6E180A9-6F2B-054D-A2FC-642E0A6B53CF}"/>
+              </a:ext>
+            </a:extLst>
+          </p:cNvPr>
+          <p:cNvSpPr>
+            <a:spLocks noGrp="1"/>
+          </p:cNvSpPr>
+          <p:nvPr>
+            <p:ph idx="1"/>
+          </p:nvPr>
+        </p:nvSpPr>
+        <p:spPr/>
+        <p:txBody>
+          <a:bodyPr>
+            <a:normAutofit lnSpcReduction="10000"/>
+          </a:bodyPr>
+          <a:lstStyle/>
+          <a:p>
+            <a:r>
+              <a:rPr lang="en-US" dirty="0"/>
+              <a:t>Lisa and Meghan focused on collecting bitcoin data</a:t>
+            </a:r>
+          </a:p>
+          <a:p>
+            <a:r>
+              <a:rPr lang="en-US" dirty="0"/>
+              <a:t>Eamon focused on the Twitter data</a:t>
+            </a:r>
+          </a:p>
+          <a:p>
+            <a:r>
+              <a:rPr lang="en-US" dirty="0"/>
+              <a:t>Biggest challenge was the twitter data and getting it into a usable form</a:t>
+            </a:r>
+          </a:p>
+          <a:p>
+            <a:r>
+              <a:rPr lang="en-US" dirty="0"/>
+              <a:t>Another challenge was processing the data get the data into a structure that we could run analysis on.</a:t>
+            </a:r>
+          </a:p>
+          <a:p>
+            <a:r>
+              <a:rPr lang="en-US" dirty="0" err="1"/>
+              <a:t>Github</a:t>
+            </a:r>
+            <a:r>
+              <a:rPr lang="en-US" dirty="0"/>
+              <a:t> presented another challenge because it limited the size of the files we could upload</a:t>
+            </a:r>
+          </a:p>
+          <a:p>
+            <a:endParaRPr lang="en-US" dirty="0"/>
+          </a:p>
+        </p:txBody>
+      </p:sp>
+    </p:spTree>
+    <p:extLst>
+      <p:ext uri="{BB962C8B-B14F-4D97-AF65-F5344CB8AC3E}">
+        <p14:creationId xmlns:p14="http://schemas.microsoft.com/office/powerpoint/2010/main" val="3342850077"/>
+      </p:ext>
+    </p:extLst>
+  </p:cSld>
+  <p:clrMapOvr>
+    <a:masterClrMapping/>
+  </p:clrMapOvr>
+  <mc:AlternateContent xmlns:mc="http://schemas.openxmlformats.org/markup-compatibility/2006">
+    <mc:Choice xmlns:p14="http://schemas.microsoft.com/office/powerpoint/2010/main" Requires="p14">
+      <p:transition spd="slow" p14:dur="1400">
+        <p14:doors dir="vert"/>
+      </p:transition>
+    </mc:Choice>
+    <mc:Fallback>
+      <p:transition spd="slow">
+        <p:fade/>
+      </p:transition>
+    </mc:Fallback>
+  </mc:AlternateContent>
+</p:sld>
+</file>
+
+<file path=ppt/slides/slide8.xml><?xml version="1.0" encoding="utf-8"?>
+<p:sld xmlns:a="http://schemas.openxmlformats.org/drawingml/2006/main" xmlns:r="http://schemas.openxmlformats.org/officeDocument/2006/relationships" xmlns:p="http://schemas.openxmlformats.org/presentationml/2006/main">
+  <p:cSld>
+    <p:spTree>
+      <p:nvGrpSpPr>
+        <p:cNvPr id="1" name=""/>
+        <p:cNvGrpSpPr/>
+        <p:nvPr/>
+      </p:nvGrpSpPr>
+      <p:grpSpPr>
+        <a:xfrm>
+          <a:off x="0" y="0"/>
+          <a:ext cx="0" cy="0"/>
+          <a:chOff x="0" y="0"/>
+          <a:chExt cx="0" cy="0"/>
+        </a:xfrm>
+      </p:grpSpPr>
+      <p:sp>
+        <p:nvSpPr>
+          <p:cNvPr id="6" name="Title 5">
+            <a:extLst>
+              <a:ext uri="{FF2B5EF4-FFF2-40B4-BE49-F238E27FC236}">
+                <a16:creationId xmlns:a16="http://schemas.microsoft.com/office/drawing/2014/main" id="{4FEA1470-32F7-B843-8527-49400C35E1E6}"/>
+              </a:ext>
+            </a:extLst>
+          </p:cNvPr>
+          <p:cNvSpPr>
+            <a:spLocks noGrp="1"/>
+          </p:cNvSpPr>
+          <p:nvPr>
+            <p:ph type="title"/>
+          </p:nvPr>
+        </p:nvSpPr>
+        <p:spPr>
+          <a:xfrm>
+            <a:off x="1143001" y="2192675"/>
+            <a:ext cx="9905998" cy="1478570"/>
+          </a:xfrm>
+        </p:spPr>
+        <p:txBody>
+          <a:bodyPr anchor="ctr">
+            <a:normAutofit/>
+          </a:bodyPr>
+          <a:lstStyle/>
+          <a:p>
+            <a:pPr algn="ctr"/>
+            <a:r>
+              <a:rPr lang="en-US" sz="6000" dirty="0"/>
+              <a:t>Any Questions?</a:t>
+            </a:r>
+          </a:p>
+        </p:txBody>
+      </p:sp>
+    </p:spTree>
+    <p:extLst>
+      <p:ext uri="{BB962C8B-B14F-4D97-AF65-F5344CB8AC3E}">
+        <p14:creationId xmlns:p14="http://schemas.microsoft.com/office/powerpoint/2010/main" val="2408906719"/>
+      </p:ext>
+    </p:extLst>
+  </p:cSld>
+  <p:clrMapOvr>
+    <a:masterClrMapping/>
+  </p:clrMapOvr>
+  <mc:AlternateContent xmlns:mc="http://schemas.openxmlformats.org/markup-compatibility/2006">
+    <mc:Choice xmlns:p14="http://schemas.microsoft.com/office/powerpoint/2010/main" Requires="p14">
+      <p:transition spd="slow" p14:dur="1400">
+        <p14:doors dir="vert"/>
+      </p:transition>
+    </mc:Choice>
+    <mc:Fallback>
+      <p:transition spd="slow">
+        <p:fade/>
+      </p:transition>
+    </mc:Fallback>
+  </mc:AlternateContent>
+</p:sld>
+</file>
+
+<file path=ppt/slides/slide9.xml><?xml version="1.0" encoding="utf-8"?>
 <p:sld xmlns:a="http://schemas.openxmlformats.org/drawingml/2006/main" xmlns:r="http://schemas.openxmlformats.org/officeDocument/2006/relationships" xmlns:p="http://schemas.openxmlformats.org/presentationml/2006/main">
   <p:cSld>
     <p:spTree>
@@ -15708,6 +16006,18 @@
   <p:clrMapOvr>
     <a:masterClrMapping/>
   </p:clrMapOvr>
+  <mc:AlternateContent xmlns:mc="http://schemas.openxmlformats.org/markup-compatibility/2006">
+    <mc:Choice xmlns:p14="http://schemas.microsoft.com/office/powerpoint/2010/main" Requires="p14">
+      <p:transition spd="slow" p14:dur="1400">
+        <p14:doors dir="vert"/>
+      </p:transition>
+    </mc:Choice>
+    <mc:Fallback>
+      <p:transition spd="slow">
+        <p:fade/>
+      </p:transition>
+    </mc:Fallback>
+  </mc:AlternateContent>
 </p:sld>
 </file>
 
@@ -15960,4 +16270,18 @@
     </a:ext>
   </a:extLst>
 </a:theme>
+</file>
+
+<file path=ppt/webextensions/webextension1.xml><?xml version="1.0" encoding="utf-8"?>
+<we:webextension xmlns:we="http://schemas.microsoft.com/office/webextensions/webextension/2010/11" id="{F922035B-4AD8-DD41-888E-F5E3E5CFAAB7}">
+  <we:reference id="wa104295828" version="1.9.0.0" store="en-US" storeType="OMEX"/>
+  <we:alternateReferences>
+    <we:reference id="wa104295828" version="1.9.0.0" store="wa104295828" storeType="OMEX"/>
+  </we:alternateReferences>
+  <we:properties>
+    <we:property name="__labs__" value="{&quot;configuration&quot;:{&quot;appVersion&quot;:{&quot;major&quot;:1,&quot;minor&quot;:0},&quot;components&quot;:[{&quot;type&quot;:&quot;Labs.Components.ActivityComponent&quot;,&quot;name&quot;:&quot;public.tableau.com/views/Knightshade/BitcoinPriceTweetCountDashboard?:language=en-US&amp;:embed=y&amp;:display_count=n&amp;:origin=viz_share_link&quot;,&quot;values&quot;:{},&quot;data&quot;:{&quot;uri&quot;:&quot;public.tableau.com/views/Knightshade/BitcoinPriceTweetCountDashboard?:language=en-US&amp;:embed=y&amp;:display_count=n&amp;:origin=viz_share_link&quot;},&quot;secure&quot;:false}],&quot;name&quot;:&quot;public.tableau.com/views/Knightshade/BitcoinPriceTweetCountDashboard?:language=en-US&amp;:embed=y&amp;:display_count=n&amp;:origin=viz_share_link&quot;,&quot;timeline&quot;:null,&quot;analytics&quot;:null},&quot;hostVersion&quot;:{&quot;major&quot;:0,&quot;minor&quot;:1}}"/>
+  </we:properties>
+  <we:bindings/>
+  <we:snapshot xmlns:r="http://schemas.openxmlformats.org/officeDocument/2006/relationships" r:embed="rId1"/>
+</we:webextension>
 </file>
--- a/Knightshade_Presentation.pptx
+++ b/Knightshade_Presentation.pptx
@@ -170,7 +170,7 @@
           <a:noFill/>
           <a:extLst>
             <a:ext uri="{909E8E84-426E-40dd-AFC4-6F175D3DCCD1}">
-              <a14:hiddenFill xmlns="" xmlns:a14="http://schemas.microsoft.com/office/drawing/2010/main">
+              <a14:hiddenFill xmlns:a14="http://schemas.microsoft.com/office/drawing/2010/main" xmlns="">
                 <a:solidFill>
                   <a:srgbClr val="FFFFFF"/>
                 </a:solidFill>
@@ -230,7 +230,7 @@
             </a:ln>
             <a:extLst>
               <a:ext uri="{91240B29-F687-4f45-9708-019B960494DF}">
-                <a14:hiddenLine xmlns="" xmlns:a14="http://schemas.microsoft.com/office/drawing/2010/main" w="9525">
+                <a14:hiddenLine xmlns:a14="http://schemas.microsoft.com/office/drawing/2010/main" xmlns="" w="9525">
                   <a:solidFill>
                     <a:srgbClr val="000000"/>
                   </a:solidFill>
@@ -320,7 +320,7 @@
             </a:ln>
             <a:extLst>
               <a:ext uri="{91240B29-F687-4f45-9708-019B960494DF}">
-                <a14:hiddenLine xmlns="" xmlns:a14="http://schemas.microsoft.com/office/drawing/2010/main" w="9525">
+                <a14:hiddenLine xmlns:a14="http://schemas.microsoft.com/office/drawing/2010/main" xmlns="" w="9525">
                   <a:solidFill>
                     <a:srgbClr val="000000"/>
                   </a:solidFill>
@@ -410,7 +410,7 @@
             </a:ln>
             <a:extLst>
               <a:ext uri="{91240B29-F687-4f45-9708-019B960494DF}">
-                <a14:hiddenLine xmlns="" xmlns:a14="http://schemas.microsoft.com/office/drawing/2010/main" w="9525">
+                <a14:hiddenLine xmlns:a14="http://schemas.microsoft.com/office/drawing/2010/main" xmlns="" w="9525">
                   <a:solidFill>
                     <a:srgbClr val="000000"/>
                   </a:solidFill>
@@ -444,7 +444,7 @@
             </a:ln>
             <a:extLst>
               <a:ext uri="{91240B29-F687-4f45-9708-019B960494DF}">
-                <a14:hiddenLine xmlns="" xmlns:a14="http://schemas.microsoft.com/office/drawing/2010/main" w="9525">
+                <a14:hiddenLine xmlns:a14="http://schemas.microsoft.com/office/drawing/2010/main" xmlns="" w="9525">
                   <a:solidFill>
                     <a:srgbClr val="000000"/>
                   </a:solidFill>
@@ -534,7 +534,7 @@
             </a:ln>
             <a:extLst>
               <a:ext uri="{91240B29-F687-4f45-9708-019B960494DF}">
-                <a14:hiddenLine xmlns="" xmlns:a14="http://schemas.microsoft.com/office/drawing/2010/main" w="9525">
+                <a14:hiddenLine xmlns:a14="http://schemas.microsoft.com/office/drawing/2010/main" xmlns="" w="9525">
                   <a:solidFill>
                     <a:srgbClr val="000000"/>
                   </a:solidFill>
@@ -596,7 +596,7 @@
             </a:ln>
             <a:extLst>
               <a:ext uri="{91240B29-F687-4f45-9708-019B960494DF}">
-                <a14:hiddenLine xmlns="" xmlns:a14="http://schemas.microsoft.com/office/drawing/2010/main" w="9525">
+                <a14:hiddenLine xmlns:a14="http://schemas.microsoft.com/office/drawing/2010/main" xmlns="" w="9525">
                   <a:solidFill>
                     <a:srgbClr val="000000"/>
                   </a:solidFill>
@@ -658,7 +658,7 @@
             </a:ln>
             <a:extLst>
               <a:ext uri="{91240B29-F687-4f45-9708-019B960494DF}">
-                <a14:hiddenLine xmlns="" xmlns:a14="http://schemas.microsoft.com/office/drawing/2010/main" w="9525">
+                <a14:hiddenLine xmlns:a14="http://schemas.microsoft.com/office/drawing/2010/main" xmlns="" w="9525">
                   <a:solidFill>
                     <a:srgbClr val="000000"/>
                   </a:solidFill>
@@ -748,7 +748,7 @@
             </a:ln>
             <a:extLst>
               <a:ext uri="{91240B29-F687-4f45-9708-019B960494DF}">
-                <a14:hiddenLine xmlns="" xmlns:a14="http://schemas.microsoft.com/office/drawing/2010/main" w="9525">
+                <a14:hiddenLine xmlns:a14="http://schemas.microsoft.com/office/drawing/2010/main" xmlns="" w="9525">
                   <a:solidFill>
                     <a:srgbClr val="000000"/>
                   </a:solidFill>
@@ -810,7 +810,7 @@
             </a:ln>
             <a:extLst>
               <a:ext uri="{91240B29-F687-4f45-9708-019B960494DF}">
-                <a14:hiddenLine xmlns="" xmlns:a14="http://schemas.microsoft.com/office/drawing/2010/main" w="9525">
+                <a14:hiddenLine xmlns:a14="http://schemas.microsoft.com/office/drawing/2010/main" xmlns="" w="9525">
                   <a:solidFill>
                     <a:srgbClr val="000000"/>
                   </a:solidFill>
@@ -872,7 +872,7 @@
             </a:ln>
             <a:extLst>
               <a:ext uri="{91240B29-F687-4f45-9708-019B960494DF}">
-                <a14:hiddenLine xmlns="" xmlns:a14="http://schemas.microsoft.com/office/drawing/2010/main" w="9525">
+                <a14:hiddenLine xmlns:a14="http://schemas.microsoft.com/office/drawing/2010/main" xmlns="" w="9525">
                   <a:solidFill>
                     <a:srgbClr val="000000"/>
                   </a:solidFill>
@@ -962,7 +962,7 @@
             </a:ln>
             <a:extLst>
               <a:ext uri="{91240B29-F687-4f45-9708-019B960494DF}">
-                <a14:hiddenLine xmlns="" xmlns:a14="http://schemas.microsoft.com/office/drawing/2010/main" w="9525">
+                <a14:hiddenLine xmlns:a14="http://schemas.microsoft.com/office/drawing/2010/main" xmlns="" w="9525">
                   <a:solidFill>
                     <a:srgbClr val="000000"/>
                   </a:solidFill>
@@ -1052,7 +1052,7 @@
             </a:ln>
             <a:extLst>
               <a:ext uri="{91240B29-F687-4f45-9708-019B960494DF}">
-                <a14:hiddenLine xmlns="" xmlns:a14="http://schemas.microsoft.com/office/drawing/2010/main" w="9525">
+                <a14:hiddenLine xmlns:a14="http://schemas.microsoft.com/office/drawing/2010/main" xmlns="" w="9525">
                   <a:solidFill>
                     <a:srgbClr val="000000"/>
                   </a:solidFill>
@@ -1114,7 +1114,7 @@
             </a:ln>
             <a:extLst>
               <a:ext uri="{91240B29-F687-4f45-9708-019B960494DF}">
-                <a14:hiddenLine xmlns="" xmlns:a14="http://schemas.microsoft.com/office/drawing/2010/main" w="9525">
+                <a14:hiddenLine xmlns:a14="http://schemas.microsoft.com/office/drawing/2010/main" xmlns="" w="9525">
                   <a:solidFill>
                     <a:srgbClr val="000000"/>
                   </a:solidFill>
@@ -1224,7 +1224,7 @@
             </a:ln>
             <a:extLst>
               <a:ext uri="{91240B29-F687-4f45-9708-019B960494DF}">
-                <a14:hiddenLine xmlns="" xmlns:a14="http://schemas.microsoft.com/office/drawing/2010/main" w="9525">
+                <a14:hiddenLine xmlns:a14="http://schemas.microsoft.com/office/drawing/2010/main" xmlns="" w="9525">
                   <a:solidFill>
                     <a:srgbClr val="000000"/>
                   </a:solidFill>
@@ -1286,7 +1286,7 @@
             </a:ln>
             <a:extLst>
               <a:ext uri="{91240B29-F687-4f45-9708-019B960494DF}">
-                <a14:hiddenLine xmlns="" xmlns:a14="http://schemas.microsoft.com/office/drawing/2010/main" w="9525">
+                <a14:hiddenLine xmlns:a14="http://schemas.microsoft.com/office/drawing/2010/main" xmlns="" w="9525">
                   <a:solidFill>
                     <a:srgbClr val="000000"/>
                   </a:solidFill>
@@ -1376,7 +1376,7 @@
             </a:ln>
             <a:extLst>
               <a:ext uri="{91240B29-F687-4f45-9708-019B960494DF}">
-                <a14:hiddenLine xmlns="" xmlns:a14="http://schemas.microsoft.com/office/drawing/2010/main" w="9525">
+                <a14:hiddenLine xmlns:a14="http://schemas.microsoft.com/office/drawing/2010/main" xmlns="" w="9525">
                   <a:solidFill>
                     <a:srgbClr val="000000"/>
                   </a:solidFill>
@@ -1466,7 +1466,7 @@
             </a:ln>
             <a:extLst>
               <a:ext uri="{91240B29-F687-4f45-9708-019B960494DF}">
-                <a14:hiddenLine xmlns="" xmlns:a14="http://schemas.microsoft.com/office/drawing/2010/main" w="9525">
+                <a14:hiddenLine xmlns:a14="http://schemas.microsoft.com/office/drawing/2010/main" xmlns="" w="9525">
                   <a:solidFill>
                     <a:srgbClr val="000000"/>
                   </a:solidFill>
@@ -1528,7 +1528,7 @@
             </a:ln>
             <a:extLst>
               <a:ext uri="{91240B29-F687-4f45-9708-019B960494DF}">
-                <a14:hiddenLine xmlns="" xmlns:a14="http://schemas.microsoft.com/office/drawing/2010/main" w="9525">
+                <a14:hiddenLine xmlns:a14="http://schemas.microsoft.com/office/drawing/2010/main" xmlns="" w="9525">
                   <a:solidFill>
                     <a:srgbClr val="000000"/>
                   </a:solidFill>
@@ -1618,7 +1618,7 @@
             </a:ln>
             <a:extLst>
               <a:ext uri="{91240B29-F687-4f45-9708-019B960494DF}">
-                <a14:hiddenLine xmlns="" xmlns:a14="http://schemas.microsoft.com/office/drawing/2010/main" w="9525">
+                <a14:hiddenLine xmlns:a14="http://schemas.microsoft.com/office/drawing/2010/main" xmlns="" w="9525">
                   <a:solidFill>
                     <a:srgbClr val="000000"/>
                   </a:solidFill>
@@ -1708,7 +1708,7 @@
             </a:ln>
             <a:extLst>
               <a:ext uri="{91240B29-F687-4f45-9708-019B960494DF}">
-                <a14:hiddenLine xmlns="" xmlns:a14="http://schemas.microsoft.com/office/drawing/2010/main" w="9525">
+                <a14:hiddenLine xmlns:a14="http://schemas.microsoft.com/office/drawing/2010/main" xmlns="" w="9525">
                   <a:solidFill>
                     <a:srgbClr val="000000"/>
                   </a:solidFill>
@@ -1764,7 +1764,7 @@
             </a:ln>
             <a:extLst>
               <a:ext uri="{91240B29-F687-4f45-9708-019B960494DF}">
-                <a14:hiddenLine xmlns="" xmlns:a14="http://schemas.microsoft.com/office/drawing/2010/main" w="9525">
+                <a14:hiddenLine xmlns:a14="http://schemas.microsoft.com/office/drawing/2010/main" xmlns="" w="9525">
                   <a:solidFill>
                     <a:srgbClr val="000000"/>
                   </a:solidFill>
@@ -1854,7 +1854,7 @@
             </a:ln>
             <a:extLst>
               <a:ext uri="{91240B29-F687-4f45-9708-019B960494DF}">
-                <a14:hiddenLine xmlns="" xmlns:a14="http://schemas.microsoft.com/office/drawing/2010/main" w="9525">
+                <a14:hiddenLine xmlns:a14="http://schemas.microsoft.com/office/drawing/2010/main" xmlns="" w="9525">
                   <a:solidFill>
                     <a:srgbClr val="000000"/>
                   </a:solidFill>
@@ -1910,7 +1910,7 @@
             </a:ln>
             <a:extLst>
               <a:ext uri="{91240B29-F687-4f45-9708-019B960494DF}">
-                <a14:hiddenLine xmlns="" xmlns:a14="http://schemas.microsoft.com/office/drawing/2010/main" w="9525">
+                <a14:hiddenLine xmlns:a14="http://schemas.microsoft.com/office/drawing/2010/main" xmlns="" w="9525">
                   <a:solidFill>
                     <a:srgbClr val="000000"/>
                   </a:solidFill>
@@ -2000,7 +2000,7 @@
             </a:ln>
             <a:extLst>
               <a:ext uri="{91240B29-F687-4f45-9708-019B960494DF}">
-                <a14:hiddenLine xmlns="" xmlns:a14="http://schemas.microsoft.com/office/drawing/2010/main" w="9525">
+                <a14:hiddenLine xmlns:a14="http://schemas.microsoft.com/office/drawing/2010/main" xmlns="" w="9525">
                   <a:solidFill>
                     <a:srgbClr val="000000"/>
                   </a:solidFill>
@@ -2068,7 +2068,7 @@
             </a:ln>
             <a:extLst>
               <a:ext uri="{91240B29-F687-4f45-9708-019B960494DF}">
-                <a14:hiddenLine xmlns="" xmlns:a14="http://schemas.microsoft.com/office/drawing/2010/main" w="9525">
+                <a14:hiddenLine xmlns:a14="http://schemas.microsoft.com/office/drawing/2010/main" xmlns="" w="9525">
                   <a:solidFill>
                     <a:srgbClr val="000000"/>
                   </a:solidFill>
@@ -2158,7 +2158,7 @@
             </a:ln>
             <a:extLst>
               <a:ext uri="{91240B29-F687-4f45-9708-019B960494DF}">
-                <a14:hiddenLine xmlns="" xmlns:a14="http://schemas.microsoft.com/office/drawing/2010/main" w="9525">
+                <a14:hiddenLine xmlns:a14="http://schemas.microsoft.com/office/drawing/2010/main" xmlns="" w="9525">
                   <a:solidFill>
                     <a:srgbClr val="000000"/>
                   </a:solidFill>
@@ -2226,7 +2226,7 @@
             </a:ln>
             <a:extLst>
               <a:ext uri="{91240B29-F687-4f45-9708-019B960494DF}">
-                <a14:hiddenLine xmlns="" xmlns:a14="http://schemas.microsoft.com/office/drawing/2010/main" w="9525">
+                <a14:hiddenLine xmlns:a14="http://schemas.microsoft.com/office/drawing/2010/main" xmlns="" w="9525">
                   <a:solidFill>
                     <a:srgbClr val="000000"/>
                   </a:solidFill>
@@ -2316,7 +2316,7 @@
             </a:ln>
             <a:extLst>
               <a:ext uri="{91240B29-F687-4f45-9708-019B960494DF}">
-                <a14:hiddenLine xmlns="" xmlns:a14="http://schemas.microsoft.com/office/drawing/2010/main" w="9525">
+                <a14:hiddenLine xmlns:a14="http://schemas.microsoft.com/office/drawing/2010/main" xmlns="" w="9525">
                   <a:solidFill>
                     <a:srgbClr val="000000"/>
                   </a:solidFill>
@@ -2350,7 +2350,7 @@
             </a:ln>
             <a:extLst>
               <a:ext uri="{91240B29-F687-4f45-9708-019B960494DF}">
-                <a14:hiddenLine xmlns="" xmlns:a14="http://schemas.microsoft.com/office/drawing/2010/main" w="9525">
+                <a14:hiddenLine xmlns:a14="http://schemas.microsoft.com/office/drawing/2010/main" xmlns="" w="9525">
                   <a:solidFill>
                     <a:srgbClr val="000000"/>
                   </a:solidFill>
@@ -2440,7 +2440,7 @@
             </a:ln>
             <a:extLst>
               <a:ext uri="{91240B29-F687-4f45-9708-019B960494DF}">
-                <a14:hiddenLine xmlns="" xmlns:a14="http://schemas.microsoft.com/office/drawing/2010/main" w="9525">
+                <a14:hiddenLine xmlns:a14="http://schemas.microsoft.com/office/drawing/2010/main" xmlns="" w="9525">
                   <a:solidFill>
                     <a:srgbClr val="000000"/>
                   </a:solidFill>
@@ -2502,7 +2502,7 @@
             </a:ln>
             <a:extLst>
               <a:ext uri="{91240B29-F687-4f45-9708-019B960494DF}">
-                <a14:hiddenLine xmlns="" xmlns:a14="http://schemas.microsoft.com/office/drawing/2010/main" w="9525">
+                <a14:hiddenLine xmlns:a14="http://schemas.microsoft.com/office/drawing/2010/main" xmlns="" w="9525">
                   <a:solidFill>
                     <a:srgbClr val="000000"/>
                   </a:solidFill>
@@ -2564,7 +2564,7 @@
             </a:ln>
             <a:extLst>
               <a:ext uri="{91240B29-F687-4f45-9708-019B960494DF}">
-                <a14:hiddenLine xmlns="" xmlns:a14="http://schemas.microsoft.com/office/drawing/2010/main" w="9525">
+                <a14:hiddenLine xmlns:a14="http://schemas.microsoft.com/office/drawing/2010/main" xmlns="" w="9525">
                   <a:solidFill>
                     <a:srgbClr val="000000"/>
                   </a:solidFill>
@@ -2654,7 +2654,7 @@
             </a:ln>
             <a:extLst>
               <a:ext uri="{91240B29-F687-4f45-9708-019B960494DF}">
-                <a14:hiddenLine xmlns="" xmlns:a14="http://schemas.microsoft.com/office/drawing/2010/main" w="9525">
+                <a14:hiddenLine xmlns:a14="http://schemas.microsoft.com/office/drawing/2010/main" xmlns="" w="9525">
                   <a:solidFill>
                     <a:srgbClr val="000000"/>
                   </a:solidFill>
@@ -2722,7 +2722,7 @@
             </a:ln>
             <a:extLst>
               <a:ext uri="{91240B29-F687-4f45-9708-019B960494DF}">
-                <a14:hiddenLine xmlns="" xmlns:a14="http://schemas.microsoft.com/office/drawing/2010/main" w="9525">
+                <a14:hiddenLine xmlns:a14="http://schemas.microsoft.com/office/drawing/2010/main" xmlns="" w="9525">
                   <a:solidFill>
                     <a:srgbClr val="000000"/>
                   </a:solidFill>
@@ -2784,7 +2784,7 @@
             </a:ln>
             <a:extLst>
               <a:ext uri="{91240B29-F687-4f45-9708-019B960494DF}">
-                <a14:hiddenLine xmlns="" xmlns:a14="http://schemas.microsoft.com/office/drawing/2010/main" w="9525">
+                <a14:hiddenLine xmlns:a14="http://schemas.microsoft.com/office/drawing/2010/main" xmlns="" w="9525">
                   <a:solidFill>
                     <a:srgbClr val="000000"/>
                   </a:solidFill>
@@ -2874,7 +2874,7 @@
             </a:ln>
             <a:extLst>
               <a:ext uri="{91240B29-F687-4f45-9708-019B960494DF}">
-                <a14:hiddenLine xmlns="" xmlns:a14="http://schemas.microsoft.com/office/drawing/2010/main" w="9525">
+                <a14:hiddenLine xmlns:a14="http://schemas.microsoft.com/office/drawing/2010/main" xmlns="" w="9525">
                   <a:solidFill>
                     <a:srgbClr val="000000"/>
                   </a:solidFill>
@@ -2936,7 +2936,7 @@
             </a:ln>
             <a:extLst>
               <a:ext uri="{91240B29-F687-4f45-9708-019B960494DF}">
-                <a14:hiddenLine xmlns="" xmlns:a14="http://schemas.microsoft.com/office/drawing/2010/main" w="9525">
+                <a14:hiddenLine xmlns:a14="http://schemas.microsoft.com/office/drawing/2010/main" xmlns="" w="9525">
                   <a:solidFill>
                     <a:srgbClr val="000000"/>
                   </a:solidFill>
@@ -3026,7 +3026,7 @@
             </a:ln>
             <a:extLst>
               <a:ext uri="{91240B29-F687-4f45-9708-019B960494DF}">
-                <a14:hiddenLine xmlns="" xmlns:a14="http://schemas.microsoft.com/office/drawing/2010/main" w="9525">
+                <a14:hiddenLine xmlns:a14="http://schemas.microsoft.com/office/drawing/2010/main" xmlns="" w="9525">
                   <a:solidFill>
                     <a:srgbClr val="000000"/>
                   </a:solidFill>
@@ -3088,7 +3088,7 @@
             </a:ln>
             <a:extLst>
               <a:ext uri="{91240B29-F687-4f45-9708-019B960494DF}">
-                <a14:hiddenLine xmlns="" xmlns:a14="http://schemas.microsoft.com/office/drawing/2010/main" w="9525">
+                <a14:hiddenLine xmlns:a14="http://schemas.microsoft.com/office/drawing/2010/main" xmlns="" w="9525">
                   <a:solidFill>
                     <a:srgbClr val="000000"/>
                   </a:solidFill>
@@ -3178,7 +3178,7 @@
             </a:ln>
             <a:extLst>
               <a:ext uri="{91240B29-F687-4f45-9708-019B960494DF}">
-                <a14:hiddenLine xmlns="" xmlns:a14="http://schemas.microsoft.com/office/drawing/2010/main" w="9525">
+                <a14:hiddenLine xmlns:a14="http://schemas.microsoft.com/office/drawing/2010/main" xmlns="" w="9525">
                   <a:solidFill>
                     <a:srgbClr val="000000"/>
                   </a:solidFill>
@@ -3212,7 +3212,7 @@
             </a:ln>
             <a:extLst>
               <a:ext uri="{91240B29-F687-4f45-9708-019B960494DF}">
-                <a14:hiddenLine xmlns="" xmlns:a14="http://schemas.microsoft.com/office/drawing/2010/main" w="9525">
+                <a14:hiddenLine xmlns:a14="http://schemas.microsoft.com/office/drawing/2010/main" xmlns="" w="9525">
                   <a:solidFill>
                     <a:srgbClr val="000000"/>
                   </a:solidFill>
@@ -3277,7 +3277,7 @@
             </a:ln>
             <a:extLst>
               <a:ext uri="{91240B29-F687-4f45-9708-019B960494DF}">
-                <a14:hiddenLine xmlns="" xmlns:a14="http://schemas.microsoft.com/office/drawing/2010/main" w="9525">
+                <a14:hiddenLine xmlns:a14="http://schemas.microsoft.com/office/drawing/2010/main" xmlns="" w="9525">
                   <a:solidFill>
                     <a:srgbClr val="000000"/>
                   </a:solidFill>
@@ -3367,7 +3367,7 @@
             </a:ln>
             <a:extLst>
               <a:ext uri="{91240B29-F687-4f45-9708-019B960494DF}">
-                <a14:hiddenLine xmlns="" xmlns:a14="http://schemas.microsoft.com/office/drawing/2010/main" w="9525">
+                <a14:hiddenLine xmlns:a14="http://schemas.microsoft.com/office/drawing/2010/main" xmlns="" w="9525">
                   <a:solidFill>
                     <a:srgbClr val="000000"/>
                   </a:solidFill>
@@ -3429,7 +3429,7 @@
             </a:ln>
             <a:extLst>
               <a:ext uri="{91240B29-F687-4f45-9708-019B960494DF}">
-                <a14:hiddenLine xmlns="" xmlns:a14="http://schemas.microsoft.com/office/drawing/2010/main" w="9525">
+                <a14:hiddenLine xmlns:a14="http://schemas.microsoft.com/office/drawing/2010/main" xmlns="" w="9525">
                   <a:solidFill>
                     <a:srgbClr val="000000"/>
                   </a:solidFill>
@@ -3519,7 +3519,7 @@
             </a:ln>
             <a:extLst>
               <a:ext uri="{91240B29-F687-4f45-9708-019B960494DF}">
-                <a14:hiddenLine xmlns="" xmlns:a14="http://schemas.microsoft.com/office/drawing/2010/main" w="9525">
+                <a14:hiddenLine xmlns:a14="http://schemas.microsoft.com/office/drawing/2010/main" xmlns="" w="9525">
                   <a:solidFill>
                     <a:srgbClr val="000000"/>
                   </a:solidFill>
@@ -3609,7 +3609,7 @@
             </a:ln>
             <a:extLst>
               <a:ext uri="{91240B29-F687-4f45-9708-019B960494DF}">
-                <a14:hiddenLine xmlns="" xmlns:a14="http://schemas.microsoft.com/office/drawing/2010/main" w="9525">
+                <a14:hiddenLine xmlns:a14="http://schemas.microsoft.com/office/drawing/2010/main" xmlns="" w="9525">
                   <a:solidFill>
                     <a:srgbClr val="000000"/>
                   </a:solidFill>
@@ -3674,7 +3674,7 @@
             </a:ln>
             <a:extLst>
               <a:ext uri="{91240B29-F687-4f45-9708-019B960494DF}">
-                <a14:hiddenLine xmlns="" xmlns:a14="http://schemas.microsoft.com/office/drawing/2010/main" w="9525">
+                <a14:hiddenLine xmlns:a14="http://schemas.microsoft.com/office/drawing/2010/main" xmlns="" w="9525">
                   <a:solidFill>
                     <a:srgbClr val="000000"/>
                   </a:solidFill>
@@ -3736,7 +3736,7 @@
             </a:ln>
             <a:extLst>
               <a:ext uri="{91240B29-F687-4f45-9708-019B960494DF}">
-                <a14:hiddenLine xmlns="" xmlns:a14="http://schemas.microsoft.com/office/drawing/2010/main" w="9525">
+                <a14:hiddenLine xmlns:a14="http://schemas.microsoft.com/office/drawing/2010/main" xmlns="" w="9525">
                   <a:solidFill>
                     <a:srgbClr val="000000"/>
                   </a:solidFill>
@@ -3826,7 +3826,7 @@
             </a:ln>
             <a:extLst>
               <a:ext uri="{91240B29-F687-4f45-9708-019B960494DF}">
-                <a14:hiddenLine xmlns="" xmlns:a14="http://schemas.microsoft.com/office/drawing/2010/main" w="9525">
+                <a14:hiddenLine xmlns:a14="http://schemas.microsoft.com/office/drawing/2010/main" xmlns="" w="9525">
                   <a:solidFill>
                     <a:srgbClr val="000000"/>
                   </a:solidFill>
@@ -3916,7 +3916,7 @@
             </a:ln>
             <a:extLst>
               <a:ext uri="{91240B29-F687-4f45-9708-019B960494DF}">
-                <a14:hiddenLine xmlns="" xmlns:a14="http://schemas.microsoft.com/office/drawing/2010/main" w="9525">
+                <a14:hiddenLine xmlns:a14="http://schemas.microsoft.com/office/drawing/2010/main" xmlns="" w="9525">
                   <a:solidFill>
                     <a:srgbClr val="000000"/>
                   </a:solidFill>
@@ -3978,7 +3978,7 @@
             </a:ln>
             <a:extLst>
               <a:ext uri="{91240B29-F687-4f45-9708-019B960494DF}">
-                <a14:hiddenLine xmlns="" xmlns:a14="http://schemas.microsoft.com/office/drawing/2010/main" w="9525">
+                <a14:hiddenLine xmlns:a14="http://schemas.microsoft.com/office/drawing/2010/main" xmlns="" w="9525">
                   <a:solidFill>
                     <a:srgbClr val="000000"/>
                   </a:solidFill>
@@ -4098,7 +4098,7 @@
             </a:ln>
             <a:extLst>
               <a:ext uri="{91240B29-F687-4f45-9708-019B960494DF}">
-                <a14:hiddenLine xmlns="" xmlns:a14="http://schemas.microsoft.com/office/drawing/2010/main" w="9525">
+                <a14:hiddenLine xmlns:a14="http://schemas.microsoft.com/office/drawing/2010/main" xmlns="" w="9525">
                   <a:solidFill>
                     <a:srgbClr val="000000"/>
                   </a:solidFill>
@@ -4166,7 +4166,7 @@
             </a:ln>
             <a:extLst>
               <a:ext uri="{91240B29-F687-4f45-9708-019B960494DF}">
-                <a14:hiddenLine xmlns="" xmlns:a14="http://schemas.microsoft.com/office/drawing/2010/main" w="9525">
+                <a14:hiddenLine xmlns:a14="http://schemas.microsoft.com/office/drawing/2010/main" xmlns="" w="9525">
                   <a:solidFill>
                     <a:srgbClr val="000000"/>
                   </a:solidFill>
@@ -4256,7 +4256,7 @@
             </a:ln>
             <a:extLst>
               <a:ext uri="{91240B29-F687-4f45-9708-019B960494DF}">
-                <a14:hiddenLine xmlns="" xmlns:a14="http://schemas.microsoft.com/office/drawing/2010/main" w="9525">
+                <a14:hiddenLine xmlns:a14="http://schemas.microsoft.com/office/drawing/2010/main" xmlns="" w="9525">
                   <a:solidFill>
                     <a:srgbClr val="000000"/>
                   </a:solidFill>
@@ -4396,7 +4396,7 @@
           <a:p>
             <a:fld id="{48A87A34-81AB-432B-8DAE-1953F412C126}" type="datetimeFigureOut">
               <a:rPr lang="en-US" dirty="0"/>
-              <a:t>10/12/21</a:t>
+              <a:t>10/13/21</a:t>
             </a:fld>
             <a:endParaRPr lang="en-US" dirty="0"/>
           </a:p>
@@ -4658,7 +4658,7 @@
           <a:p>
             <a:fld id="{48A87A34-81AB-432B-8DAE-1953F412C126}" type="datetimeFigureOut">
               <a:rPr lang="en-US" dirty="0"/>
-              <a:t>10/12/21</a:t>
+              <a:t>10/13/21</a:t>
             </a:fld>
             <a:endParaRPr lang="en-US" dirty="0"/>
           </a:p>
@@ -4849,7 +4849,7 @@
           <a:p>
             <a:fld id="{48A87A34-81AB-432B-8DAE-1953F412C126}" type="datetimeFigureOut">
               <a:rPr lang="en-US" dirty="0"/>
-              <a:t>10/12/21</a:t>
+              <a:t>10/13/21</a:t>
             </a:fld>
             <a:endParaRPr lang="en-US" dirty="0"/>
           </a:p>
@@ -5107,7 +5107,7 @@
           <a:p>
             <a:fld id="{48A87A34-81AB-432B-8DAE-1953F412C126}" type="datetimeFigureOut">
               <a:rPr lang="en-US" dirty="0"/>
-              <a:t>10/12/21</a:t>
+              <a:t>10/13/21</a:t>
             </a:fld>
             <a:endParaRPr lang="en-US" dirty="0"/>
           </a:p>
@@ -5536,7 +5536,7 @@
           <a:p>
             <a:fld id="{48A87A34-81AB-432B-8DAE-1953F412C126}" type="datetimeFigureOut">
               <a:rPr lang="en-US" dirty="0"/>
-              <a:t>10/12/21</a:t>
+              <a:t>10/13/21</a:t>
             </a:fld>
             <a:endParaRPr lang="en-US" dirty="0"/>
           </a:p>
@@ -6077,7 +6077,7 @@
           <a:p>
             <a:fld id="{48A87A34-81AB-432B-8DAE-1953F412C126}" type="datetimeFigureOut">
               <a:rPr lang="en-US" dirty="0"/>
-              <a:t>10/12/21</a:t>
+              <a:t>10/13/21</a:t>
             </a:fld>
             <a:endParaRPr lang="en-US" dirty="0"/>
           </a:p>
@@ -6792,7 +6792,7 @@
           <a:p>
             <a:fld id="{48A87A34-81AB-432B-8DAE-1953F412C126}" type="datetimeFigureOut">
               <a:rPr lang="en-US" dirty="0"/>
-              <a:t>10/12/21</a:t>
+              <a:t>10/13/21</a:t>
             </a:fld>
             <a:endParaRPr lang="en-US" dirty="0"/>
           </a:p>
@@ -6957,7 +6957,7 @@
           <a:p>
             <a:fld id="{48A87A34-81AB-432B-8DAE-1953F412C126}" type="datetimeFigureOut">
               <a:rPr lang="en-US" dirty="0"/>
-              <a:t>10/12/21</a:t>
+              <a:t>10/13/21</a:t>
             </a:fld>
             <a:endParaRPr lang="en-US" dirty="0"/>
           </a:p>
@@ -7132,7 +7132,7 @@
           <a:p>
             <a:fld id="{48A87A34-81AB-432B-8DAE-1953F412C126}" type="datetimeFigureOut">
               <a:rPr lang="en-US" dirty="0"/>
-              <a:t>10/12/21</a:t>
+              <a:t>10/13/21</a:t>
             </a:fld>
             <a:endParaRPr lang="en-US" dirty="0"/>
           </a:p>
@@ -7297,7 +7297,7 @@
           <a:p>
             <a:fld id="{48A87A34-81AB-432B-8DAE-1953F412C126}" type="datetimeFigureOut">
               <a:rPr lang="en-US" dirty="0"/>
-              <a:t>10/12/21</a:t>
+              <a:t>10/13/21</a:t>
             </a:fld>
             <a:endParaRPr lang="en-US" dirty="0"/>
           </a:p>
@@ -7542,7 +7542,7 @@
           <a:p>
             <a:fld id="{48A87A34-81AB-432B-8DAE-1953F412C126}" type="datetimeFigureOut">
               <a:rPr lang="en-US" dirty="0"/>
-              <a:t>10/12/21</a:t>
+              <a:t>10/13/21</a:t>
             </a:fld>
             <a:endParaRPr lang="en-US" dirty="0"/>
           </a:p>
@@ -7769,7 +7769,7 @@
           <a:p>
             <a:fld id="{48A87A34-81AB-432B-8DAE-1953F412C126}" type="datetimeFigureOut">
               <a:rPr lang="en-US" dirty="0"/>
-              <a:t>10/12/21</a:t>
+              <a:t>10/13/21</a:t>
             </a:fld>
             <a:endParaRPr lang="en-US" dirty="0"/>
           </a:p>
@@ -8145,7 +8145,7 @@
           <a:p>
             <a:fld id="{48A87A34-81AB-432B-8DAE-1953F412C126}" type="datetimeFigureOut">
               <a:rPr lang="en-US" dirty="0"/>
-              <a:t>10/12/21</a:t>
+              <a:t>10/13/21</a:t>
             </a:fld>
             <a:endParaRPr lang="en-US" dirty="0"/>
           </a:p>
@@ -8258,7 +8258,7 @@
           <a:p>
             <a:fld id="{48A87A34-81AB-432B-8DAE-1953F412C126}" type="datetimeFigureOut">
               <a:rPr lang="en-US" dirty="0"/>
-              <a:t>10/12/21</a:t>
+              <a:t>10/13/21</a:t>
             </a:fld>
             <a:endParaRPr lang="en-US" dirty="0"/>
           </a:p>
@@ -8348,7 +8348,7 @@
           <a:p>
             <a:fld id="{48A87A34-81AB-432B-8DAE-1953F412C126}" type="datetimeFigureOut">
               <a:rPr lang="en-US" dirty="0"/>
-              <a:t>10/12/21</a:t>
+              <a:t>10/13/21</a:t>
             </a:fld>
             <a:endParaRPr lang="en-US" dirty="0"/>
           </a:p>
@@ -8592,7 +8592,7 @@
           <a:p>
             <a:fld id="{48A87A34-81AB-432B-8DAE-1953F412C126}" type="datetimeFigureOut">
               <a:rPr lang="en-US" dirty="0"/>
-              <a:t>10/12/21</a:t>
+              <a:t>10/13/21</a:t>
             </a:fld>
             <a:endParaRPr lang="en-US" dirty="0"/>
           </a:p>
@@ -8867,7 +8867,7 @@
           <a:p>
             <a:fld id="{48A87A34-81AB-432B-8DAE-1953F412C126}" type="datetimeFigureOut">
               <a:rPr lang="en-US" dirty="0"/>
-              <a:t>10/12/21</a:t>
+              <a:t>10/13/21</a:t>
             </a:fld>
             <a:endParaRPr lang="en-US" dirty="0"/>
           </a:p>
@@ -8978,7 +8978,7 @@
           <a:noFill/>
           <a:extLst>
             <a:ext uri="{909E8E84-426E-40dd-AFC4-6F175D3DCCD1}">
-              <a14:hiddenFill xmlns="" xmlns:a14="http://schemas.microsoft.com/office/drawing/2010/main">
+              <a14:hiddenFill xmlns:a14="http://schemas.microsoft.com/office/drawing/2010/main" xmlns="">
                 <a:solidFill>
                   <a:srgbClr val="FFFFFF"/>
                 </a:solidFill>
@@ -9052,7 +9052,7 @@
               </a:ln>
               <a:extLst>
                 <a:ext uri="{91240B29-F687-4f45-9708-019B960494DF}">
-                  <a14:hiddenLine xmlns="" xmlns:a14="http://schemas.microsoft.com/office/drawing/2010/main" w="9525">
+                  <a14:hiddenLine xmlns:a14="http://schemas.microsoft.com/office/drawing/2010/main" xmlns="" w="9525">
                     <a:solidFill>
                       <a:srgbClr val="000000"/>
                     </a:solidFill>
@@ -9142,7 +9142,7 @@
               </a:ln>
               <a:extLst>
                 <a:ext uri="{91240B29-F687-4f45-9708-019B960494DF}">
-                  <a14:hiddenLine xmlns="" xmlns:a14="http://schemas.microsoft.com/office/drawing/2010/main" w="9525">
+                  <a14:hiddenLine xmlns:a14="http://schemas.microsoft.com/office/drawing/2010/main" xmlns="" w="9525">
                     <a:solidFill>
                       <a:srgbClr val="000000"/>
                     </a:solidFill>
@@ -9232,7 +9232,7 @@
               </a:ln>
               <a:extLst>
                 <a:ext uri="{91240B29-F687-4f45-9708-019B960494DF}">
-                  <a14:hiddenLine xmlns="" xmlns:a14="http://schemas.microsoft.com/office/drawing/2010/main" w="9525">
+                  <a14:hiddenLine xmlns:a14="http://schemas.microsoft.com/office/drawing/2010/main" xmlns="" w="9525">
                     <a:solidFill>
                       <a:srgbClr val="000000"/>
                     </a:solidFill>
@@ -9294,7 +9294,7 @@
               </a:ln>
               <a:extLst>
                 <a:ext uri="{91240B29-F687-4f45-9708-019B960494DF}">
-                  <a14:hiddenLine xmlns="" xmlns:a14="http://schemas.microsoft.com/office/drawing/2010/main" w="9525">
+                  <a14:hiddenLine xmlns:a14="http://schemas.microsoft.com/office/drawing/2010/main" xmlns="" w="9525">
                     <a:solidFill>
                       <a:srgbClr val="000000"/>
                     </a:solidFill>
@@ -9384,7 +9384,7 @@
               </a:ln>
               <a:extLst>
                 <a:ext uri="{91240B29-F687-4f45-9708-019B960494DF}">
-                  <a14:hiddenLine xmlns="" xmlns:a14="http://schemas.microsoft.com/office/drawing/2010/main" w="9525">
+                  <a14:hiddenLine xmlns:a14="http://schemas.microsoft.com/office/drawing/2010/main" xmlns="" w="9525">
                     <a:solidFill>
                       <a:srgbClr val="000000"/>
                     </a:solidFill>
@@ -9446,7 +9446,7 @@
               </a:ln>
               <a:extLst>
                 <a:ext uri="{91240B29-F687-4f45-9708-019B960494DF}">
-                  <a14:hiddenLine xmlns="" xmlns:a14="http://schemas.microsoft.com/office/drawing/2010/main" w="9525">
+                  <a14:hiddenLine xmlns:a14="http://schemas.microsoft.com/office/drawing/2010/main" xmlns="" w="9525">
                     <a:solidFill>
                       <a:srgbClr val="000000"/>
                     </a:solidFill>
@@ -9508,7 +9508,7 @@
               </a:ln>
               <a:extLst>
                 <a:ext uri="{91240B29-F687-4f45-9708-019B960494DF}">
-                  <a14:hiddenLine xmlns="" xmlns:a14="http://schemas.microsoft.com/office/drawing/2010/main" w="9525">
+                  <a14:hiddenLine xmlns:a14="http://schemas.microsoft.com/office/drawing/2010/main" xmlns="" w="9525">
                     <a:solidFill>
                       <a:srgbClr val="000000"/>
                     </a:solidFill>
@@ -9598,7 +9598,7 @@
               </a:ln>
               <a:extLst>
                 <a:ext uri="{91240B29-F687-4f45-9708-019B960494DF}">
-                  <a14:hiddenLine xmlns="" xmlns:a14="http://schemas.microsoft.com/office/drawing/2010/main" w="9525">
+                  <a14:hiddenLine xmlns:a14="http://schemas.microsoft.com/office/drawing/2010/main" xmlns="" w="9525">
                     <a:solidFill>
                       <a:srgbClr val="000000"/>
                     </a:solidFill>
@@ -9688,7 +9688,7 @@
               </a:ln>
               <a:extLst>
                 <a:ext uri="{91240B29-F687-4f45-9708-019B960494DF}">
-                  <a14:hiddenLine xmlns="" xmlns:a14="http://schemas.microsoft.com/office/drawing/2010/main" w="9525">
+                  <a14:hiddenLine xmlns:a14="http://schemas.microsoft.com/office/drawing/2010/main" xmlns="" w="9525">
                     <a:solidFill>
                       <a:srgbClr val="000000"/>
                     </a:solidFill>
@@ -9750,7 +9750,7 @@
               </a:ln>
               <a:extLst>
                 <a:ext uri="{91240B29-F687-4f45-9708-019B960494DF}">
-                  <a14:hiddenLine xmlns="" xmlns:a14="http://schemas.microsoft.com/office/drawing/2010/main" w="9525">
+                  <a14:hiddenLine xmlns:a14="http://schemas.microsoft.com/office/drawing/2010/main" xmlns="" w="9525">
                     <a:solidFill>
                       <a:srgbClr val="000000"/>
                     </a:solidFill>
@@ -9860,7 +9860,7 @@
               </a:ln>
               <a:extLst>
                 <a:ext uri="{91240B29-F687-4f45-9708-019B960494DF}">
-                  <a14:hiddenLine xmlns="" xmlns:a14="http://schemas.microsoft.com/office/drawing/2010/main" w="9525">
+                  <a14:hiddenLine xmlns:a14="http://schemas.microsoft.com/office/drawing/2010/main" xmlns="" w="9525">
                     <a:solidFill>
                       <a:srgbClr val="000000"/>
                     </a:solidFill>
@@ -9944,7 +9944,7 @@
               </a:ln>
               <a:extLst>
                 <a:ext uri="{91240B29-F687-4f45-9708-019B960494DF}">
-                  <a14:hiddenLine xmlns="" xmlns:a14="http://schemas.microsoft.com/office/drawing/2010/main" w="9525">
+                  <a14:hiddenLine xmlns:a14="http://schemas.microsoft.com/office/drawing/2010/main" xmlns="" w="9525">
                     <a:solidFill>
                       <a:srgbClr val="000000"/>
                     </a:solidFill>
@@ -10006,7 +10006,7 @@
               </a:ln>
               <a:extLst>
                 <a:ext uri="{91240B29-F687-4f45-9708-019B960494DF}">
-                  <a14:hiddenLine xmlns="" xmlns:a14="http://schemas.microsoft.com/office/drawing/2010/main" w="9525">
+                  <a14:hiddenLine xmlns:a14="http://schemas.microsoft.com/office/drawing/2010/main" xmlns="" w="9525">
                     <a:solidFill>
                       <a:srgbClr val="000000"/>
                     </a:solidFill>
@@ -10068,7 +10068,7 @@
               </a:ln>
               <a:extLst>
                 <a:ext uri="{91240B29-F687-4f45-9708-019B960494DF}">
-                  <a14:hiddenLine xmlns="" xmlns:a14="http://schemas.microsoft.com/office/drawing/2010/main" w="9525">
+                  <a14:hiddenLine xmlns:a14="http://schemas.microsoft.com/office/drawing/2010/main" xmlns="" w="9525">
                     <a:solidFill>
                       <a:srgbClr val="000000"/>
                     </a:solidFill>
@@ -10158,7 +10158,7 @@
               </a:ln>
               <a:extLst>
                 <a:ext uri="{91240B29-F687-4f45-9708-019B960494DF}">
-                  <a14:hiddenLine xmlns="" xmlns:a14="http://schemas.microsoft.com/office/drawing/2010/main" w="9525">
+                  <a14:hiddenLine xmlns:a14="http://schemas.microsoft.com/office/drawing/2010/main" xmlns="" w="9525">
                     <a:solidFill>
                       <a:srgbClr val="000000"/>
                     </a:solidFill>
@@ -10192,7 +10192,7 @@
               </a:ln>
               <a:extLst>
                 <a:ext uri="{91240B29-F687-4f45-9708-019B960494DF}">
-                  <a14:hiddenLine xmlns="" xmlns:a14="http://schemas.microsoft.com/office/drawing/2010/main" w="9525">
+                  <a14:hiddenLine xmlns:a14="http://schemas.microsoft.com/office/drawing/2010/main" xmlns="" w="9525">
                     <a:solidFill>
                       <a:srgbClr val="000000"/>
                     </a:solidFill>
@@ -10257,7 +10257,7 @@
               </a:ln>
               <a:extLst>
                 <a:ext uri="{91240B29-F687-4f45-9708-019B960494DF}">
-                  <a14:hiddenLine xmlns="" xmlns:a14="http://schemas.microsoft.com/office/drawing/2010/main" w="9525">
+                  <a14:hiddenLine xmlns:a14="http://schemas.microsoft.com/office/drawing/2010/main" xmlns="" w="9525">
                     <a:solidFill>
                       <a:srgbClr val="000000"/>
                     </a:solidFill>
@@ -10347,7 +10347,7 @@
               </a:ln>
               <a:extLst>
                 <a:ext uri="{91240B29-F687-4f45-9708-019B960494DF}">
-                  <a14:hiddenLine xmlns="" xmlns:a14="http://schemas.microsoft.com/office/drawing/2010/main" w="9525">
+                  <a14:hiddenLine xmlns:a14="http://schemas.microsoft.com/office/drawing/2010/main" xmlns="" w="9525">
                     <a:solidFill>
                       <a:srgbClr val="000000"/>
                     </a:solidFill>
@@ -10409,7 +10409,7 @@
               </a:ln>
               <a:extLst>
                 <a:ext uri="{91240B29-F687-4f45-9708-019B960494DF}">
-                  <a14:hiddenLine xmlns="" xmlns:a14="http://schemas.microsoft.com/office/drawing/2010/main" w="9525">
+                  <a14:hiddenLine xmlns:a14="http://schemas.microsoft.com/office/drawing/2010/main" xmlns="" w="9525">
                     <a:solidFill>
                       <a:srgbClr val="000000"/>
                     </a:solidFill>
@@ -10499,7 +10499,7 @@
               </a:ln>
               <a:extLst>
                 <a:ext uri="{91240B29-F687-4f45-9708-019B960494DF}">
-                  <a14:hiddenLine xmlns="" xmlns:a14="http://schemas.microsoft.com/office/drawing/2010/main" w="9525">
+                  <a14:hiddenLine xmlns:a14="http://schemas.microsoft.com/office/drawing/2010/main" xmlns="" w="9525">
                     <a:solidFill>
                       <a:srgbClr val="000000"/>
                     </a:solidFill>
@@ -10564,7 +10564,7 @@
               </a:ln>
               <a:extLst>
                 <a:ext uri="{91240B29-F687-4f45-9708-019B960494DF}">
-                  <a14:hiddenLine xmlns="" xmlns:a14="http://schemas.microsoft.com/office/drawing/2010/main" w="9525">
+                  <a14:hiddenLine xmlns:a14="http://schemas.microsoft.com/office/drawing/2010/main" xmlns="" w="9525">
                     <a:solidFill>
                       <a:srgbClr val="000000"/>
                     </a:solidFill>
@@ -10626,7 +10626,7 @@
               </a:ln>
               <a:extLst>
                 <a:ext uri="{91240B29-F687-4f45-9708-019B960494DF}">
-                  <a14:hiddenLine xmlns="" xmlns:a14="http://schemas.microsoft.com/office/drawing/2010/main" w="9525">
+                  <a14:hiddenLine xmlns:a14="http://schemas.microsoft.com/office/drawing/2010/main" xmlns="" w="9525">
                     <a:solidFill>
                       <a:srgbClr val="000000"/>
                     </a:solidFill>
@@ -10716,7 +10716,7 @@
               </a:ln>
               <a:extLst>
                 <a:ext uri="{91240B29-F687-4f45-9708-019B960494DF}">
-                  <a14:hiddenLine xmlns="" xmlns:a14="http://schemas.microsoft.com/office/drawing/2010/main" w="9525">
+                  <a14:hiddenLine xmlns:a14="http://schemas.microsoft.com/office/drawing/2010/main" xmlns="" w="9525">
                     <a:solidFill>
                       <a:srgbClr val="000000"/>
                     </a:solidFill>
@@ -10806,7 +10806,7 @@
               </a:ln>
               <a:extLst>
                 <a:ext uri="{91240B29-F687-4f45-9708-019B960494DF}">
-                  <a14:hiddenLine xmlns="" xmlns:a14="http://schemas.microsoft.com/office/drawing/2010/main" w="9525">
+                  <a14:hiddenLine xmlns:a14="http://schemas.microsoft.com/office/drawing/2010/main" xmlns="" w="9525">
                     <a:solidFill>
                       <a:srgbClr val="000000"/>
                     </a:solidFill>
@@ -10871,7 +10871,7 @@
               </a:ln>
               <a:extLst>
                 <a:ext uri="{91240B29-F687-4f45-9708-019B960494DF}">
-                  <a14:hiddenLine xmlns="" xmlns:a14="http://schemas.microsoft.com/office/drawing/2010/main" w="9525">
+                  <a14:hiddenLine xmlns:a14="http://schemas.microsoft.com/office/drawing/2010/main" xmlns="" w="9525">
                     <a:solidFill>
                       <a:srgbClr val="000000"/>
                     </a:solidFill>
@@ -10991,7 +10991,7 @@
               </a:ln>
               <a:extLst>
                 <a:ext uri="{91240B29-F687-4f45-9708-019B960494DF}">
-                  <a14:hiddenLine xmlns="" xmlns:a14="http://schemas.microsoft.com/office/drawing/2010/main" w="9525">
+                  <a14:hiddenLine xmlns:a14="http://schemas.microsoft.com/office/drawing/2010/main" xmlns="" w="9525">
                     <a:solidFill>
                       <a:srgbClr val="000000"/>
                     </a:solidFill>
@@ -11089,7 +11089,7 @@
               </a:ln>
               <a:extLst>
                 <a:ext uri="{91240B29-F687-4f45-9708-019B960494DF}">
-                  <a14:hiddenLine xmlns="" xmlns:a14="http://schemas.microsoft.com/office/drawing/2010/main" w="9525">
+                  <a14:hiddenLine xmlns:a14="http://schemas.microsoft.com/office/drawing/2010/main" xmlns="" w="9525">
                     <a:solidFill>
                       <a:srgbClr val="000000"/>
                     </a:solidFill>
@@ -11204,7 +11204,7 @@
               </a:ln>
               <a:extLst>
                 <a:ext uri="{91240B29-F687-4f45-9708-019B960494DF}">
-                  <a14:hiddenLine xmlns="" xmlns:a14="http://schemas.microsoft.com/office/drawing/2010/main" w="9525">
+                  <a14:hiddenLine xmlns:a14="http://schemas.microsoft.com/office/drawing/2010/main" xmlns="" w="9525">
                     <a:solidFill>
                       <a:srgbClr val="000000"/>
                     </a:solidFill>
@@ -11294,7 +11294,7 @@
               </a:ln>
               <a:extLst>
                 <a:ext uri="{91240B29-F687-4f45-9708-019B960494DF}">
-                  <a14:hiddenLine xmlns="" xmlns:a14="http://schemas.microsoft.com/office/drawing/2010/main" w="9525">
+                  <a14:hiddenLine xmlns:a14="http://schemas.microsoft.com/office/drawing/2010/main" xmlns="" w="9525">
                     <a:solidFill>
                       <a:srgbClr val="000000"/>
                     </a:solidFill>
@@ -11359,7 +11359,7 @@
               </a:ln>
               <a:extLst>
                 <a:ext uri="{91240B29-F687-4f45-9708-019B960494DF}">
-                  <a14:hiddenLine xmlns="" xmlns:a14="http://schemas.microsoft.com/office/drawing/2010/main" w="9525">
+                  <a14:hiddenLine xmlns:a14="http://schemas.microsoft.com/office/drawing/2010/main" xmlns="" w="9525">
                     <a:solidFill>
                       <a:srgbClr val="000000"/>
                     </a:solidFill>
@@ -11449,7 +11449,7 @@
               </a:ln>
               <a:extLst>
                 <a:ext uri="{91240B29-F687-4f45-9708-019B960494DF}">
-                  <a14:hiddenLine xmlns="" xmlns:a14="http://schemas.microsoft.com/office/drawing/2010/main" w="9525">
+                  <a14:hiddenLine xmlns:a14="http://schemas.microsoft.com/office/drawing/2010/main" xmlns="" w="9525">
                     <a:solidFill>
                       <a:srgbClr val="000000"/>
                     </a:solidFill>
@@ -11517,7 +11517,7 @@
               </a:ln>
               <a:extLst>
                 <a:ext uri="{91240B29-F687-4f45-9708-019B960494DF}">
-                  <a14:hiddenLine xmlns="" xmlns:a14="http://schemas.microsoft.com/office/drawing/2010/main" w="9525">
+                  <a14:hiddenLine xmlns:a14="http://schemas.microsoft.com/office/drawing/2010/main" xmlns="" w="9525">
                     <a:solidFill>
                       <a:srgbClr val="000000"/>
                     </a:solidFill>
@@ -11607,7 +11607,7 @@
               </a:ln>
               <a:extLst>
                 <a:ext uri="{91240B29-F687-4f45-9708-019B960494DF}">
-                  <a14:hiddenLine xmlns="" xmlns:a14="http://schemas.microsoft.com/office/drawing/2010/main" w="9525">
+                  <a14:hiddenLine xmlns:a14="http://schemas.microsoft.com/office/drawing/2010/main" xmlns="" w="9525">
                     <a:solidFill>
                       <a:srgbClr val="000000"/>
                     </a:solidFill>
@@ -11675,7 +11675,7 @@
               </a:ln>
               <a:extLst>
                 <a:ext uri="{91240B29-F687-4f45-9708-019B960494DF}">
-                  <a14:hiddenLine xmlns="" xmlns:a14="http://schemas.microsoft.com/office/drawing/2010/main" w="9525">
+                  <a14:hiddenLine xmlns:a14="http://schemas.microsoft.com/office/drawing/2010/main" xmlns="" w="9525">
                     <a:solidFill>
                       <a:srgbClr val="000000"/>
                     </a:solidFill>
@@ -11765,7 +11765,7 @@
               </a:ln>
               <a:extLst>
                 <a:ext uri="{91240B29-F687-4f45-9708-019B960494DF}">
-                  <a14:hiddenLine xmlns="" xmlns:a14="http://schemas.microsoft.com/office/drawing/2010/main" w="9525">
+                  <a14:hiddenLine xmlns:a14="http://schemas.microsoft.com/office/drawing/2010/main" xmlns="" w="9525">
                     <a:solidFill>
                       <a:srgbClr val="000000"/>
                     </a:solidFill>
@@ -11799,7 +11799,7 @@
               </a:ln>
               <a:extLst>
                 <a:ext uri="{91240B29-F687-4f45-9708-019B960494DF}">
-                  <a14:hiddenLine xmlns="" xmlns:a14="http://schemas.microsoft.com/office/drawing/2010/main" w="9525">
+                  <a14:hiddenLine xmlns:a14="http://schemas.microsoft.com/office/drawing/2010/main" xmlns="" w="9525">
                     <a:solidFill>
                       <a:srgbClr val="000000"/>
                     </a:solidFill>
@@ -11940,7 +11940,7 @@
             <a:fld id="{48A87A34-81AB-432B-8DAE-1953F412C126}" type="datetimeFigureOut">
               <a:rPr lang="en-US" dirty="0"/>
               <a:pPr/>
-              <a:t>10/12/21</a:t>
+              <a:t>10/13/21</a:t>
             </a:fld>
             <a:endParaRPr lang="en-US" dirty="0"/>
           </a:p>
@@ -12448,13 +12448,13 @@
   <p:clrMapOvr>
     <a:masterClrMapping/>
   </p:clrMapOvr>
-  <mc:AlternateContent xmlns:mc="http://schemas.openxmlformats.org/markup-compatibility/2006">
-    <mc:Choice xmlns:p15="http://schemas.microsoft.com/office/powerpoint/2012/main" Requires="p15">
+  <mc:AlternateContent xmlns:mc="http://schemas.openxmlformats.org/markup-compatibility/2006" xmlns:p15="http://schemas.microsoft.com/office/powerpoint/2012/main">
+    <mc:Choice Requires="p15">
       <p:transition xmlns:p14="http://schemas.microsoft.com/office/powerpoint/2010/main" spd="slow" p14:dur="6000">
         <p15:prstTrans prst="curtains"/>
       </p:transition>
     </mc:Choice>
-    <mc:Fallback>
+    <mc:Fallback xmlns="">
       <p:transition spd="slow">
         <p:fade/>
       </p:transition>
@@ -12558,13 +12558,13 @@
   <p:clrMapOvr>
     <a:masterClrMapping/>
   </p:clrMapOvr>
-  <mc:AlternateContent xmlns:mc="http://schemas.openxmlformats.org/markup-compatibility/2006">
-    <mc:Choice xmlns:p14="http://schemas.microsoft.com/office/powerpoint/2010/main" Requires="p14">
+  <mc:AlternateContent xmlns:mc="http://schemas.openxmlformats.org/markup-compatibility/2006" xmlns:p14="http://schemas.microsoft.com/office/powerpoint/2010/main">
+    <mc:Choice Requires="p14">
       <p:transition spd="slow" p14:dur="1400">
         <p14:doors dir="vert"/>
       </p:transition>
     </mc:Choice>
-    <mc:Fallback>
+    <mc:Fallback xmlns="">
       <p:transition spd="slow">
         <p:fade/>
       </p:transition>
@@ -12643,7 +12643,7 @@
           <a:p>
             <a:r>
               <a:rPr lang="en-US" dirty="0"/>
-              <a:t>Bitcoin and data collection:</a:t>
+              <a:t>Bitcoin data collection:</a:t>
             </a:r>
           </a:p>
           <a:p>
@@ -12753,13 +12753,13 @@
   <p:clrMapOvr>
     <a:masterClrMapping/>
   </p:clrMapOvr>
-  <mc:AlternateContent xmlns:mc="http://schemas.openxmlformats.org/markup-compatibility/2006">
-    <mc:Choice xmlns:p14="http://schemas.microsoft.com/office/powerpoint/2010/main" Requires="p14">
+  <mc:AlternateContent xmlns:mc="http://schemas.openxmlformats.org/markup-compatibility/2006" xmlns:p14="http://schemas.microsoft.com/office/powerpoint/2010/main">
+    <mc:Choice Requires="p14">
       <p:transition spd="slow" p14:dur="1400">
         <p14:doors dir="vert"/>
       </p:transition>
     </mc:Choice>
-    <mc:Fallback>
+    <mc:Fallback xmlns="">
       <p:transition spd="slow">
         <p:fade/>
       </p:transition>
@@ -12855,13 +12855,13 @@
   <p:clrMapOvr>
     <a:masterClrMapping/>
   </p:clrMapOvr>
-  <mc:AlternateContent xmlns:mc="http://schemas.openxmlformats.org/markup-compatibility/2006">
-    <mc:Choice xmlns:p14="http://schemas.microsoft.com/office/powerpoint/2010/main" Requires="p14">
+  <mc:AlternateContent xmlns:mc="http://schemas.openxmlformats.org/markup-compatibility/2006" xmlns:p14="http://schemas.microsoft.com/office/powerpoint/2010/main">
+    <mc:Choice Requires="p14">
       <p:transition spd="slow" p14:dur="1400">
         <p14:doors dir="vert"/>
       </p:transition>
     </mc:Choice>
-    <mc:Fallback>
+    <mc:Fallback xmlns="">
       <p:transition spd="slow">
         <p:fade/>
       </p:transition>
@@ -13019,7 +13019,7 @@
           <a:noFill/>
           <a:extLst>
             <a:ext uri="{909E8E84-426E-40dd-AFC4-6F175D3DCCD1}">
-              <a14:hiddenFill xmlns:a14="http://schemas.microsoft.com/office/drawing/2010/main" xmlns:p14="http://schemas.microsoft.com/office/powerpoint/2010/main" xmlns:a16="http://schemas.microsoft.com/office/drawing/2014/main" xmlns="">
+              <a14:hiddenFill xmlns="" xmlns:a16="http://schemas.microsoft.com/office/drawing/2014/main" xmlns:p14="http://schemas.microsoft.com/office/powerpoint/2010/main" xmlns:a14="http://schemas.microsoft.com/office/drawing/2010/main">
                 <a:solidFill>
                   <a:srgbClr val="FFFFFF"/>
                 </a:solidFill>
@@ -13234,7 +13234,7 @@
             </a:ln>
             <a:extLst>
               <a:ext uri="{91240B29-F687-4f45-9708-019B960494DF}">
-                <a14:hiddenLine xmlns:a14="http://schemas.microsoft.com/office/drawing/2010/main" xmlns:p14="http://schemas.microsoft.com/office/powerpoint/2010/main" xmlns:a16="http://schemas.microsoft.com/office/drawing/2014/main" xmlns="" w="9525">
+                <a14:hiddenLine xmlns="" xmlns:a16="http://schemas.microsoft.com/office/drawing/2014/main" xmlns:p14="http://schemas.microsoft.com/office/powerpoint/2010/main" xmlns:a14="http://schemas.microsoft.com/office/drawing/2010/main" w="9525">
                   <a:solidFill>
                     <a:srgbClr val="000000"/>
                   </a:solidFill>
@@ -13339,7 +13339,7 @@
             </a:ln>
             <a:extLst>
               <a:ext uri="{91240B29-F687-4f45-9708-019B960494DF}">
-                <a14:hiddenLine xmlns:a14="http://schemas.microsoft.com/office/drawing/2010/main" xmlns:p14="http://schemas.microsoft.com/office/powerpoint/2010/main" xmlns:a16="http://schemas.microsoft.com/office/drawing/2014/main" xmlns="" w="9525">
+                <a14:hiddenLine xmlns="" xmlns:a16="http://schemas.microsoft.com/office/drawing/2014/main" xmlns:p14="http://schemas.microsoft.com/office/powerpoint/2010/main" xmlns:a14="http://schemas.microsoft.com/office/drawing/2010/main" w="9525">
                   <a:solidFill>
                     <a:srgbClr val="000000"/>
                   </a:solidFill>
@@ -13444,7 +13444,7 @@
             </a:ln>
             <a:extLst>
               <a:ext uri="{91240B29-F687-4f45-9708-019B960494DF}">
-                <a14:hiddenLine xmlns:a14="http://schemas.microsoft.com/office/drawing/2010/main" xmlns:p14="http://schemas.microsoft.com/office/powerpoint/2010/main" xmlns:a16="http://schemas.microsoft.com/office/drawing/2014/main" xmlns="" w="9525">
+                <a14:hiddenLine xmlns="" xmlns:a16="http://schemas.microsoft.com/office/drawing/2014/main" xmlns:p14="http://schemas.microsoft.com/office/powerpoint/2010/main" xmlns:a14="http://schemas.microsoft.com/office/drawing/2010/main" w="9525">
                   <a:solidFill>
                     <a:srgbClr val="000000"/>
                   </a:solidFill>
@@ -13521,7 +13521,7 @@
             </a:ln>
             <a:extLst>
               <a:ext uri="{91240B29-F687-4f45-9708-019B960494DF}">
-                <a14:hiddenLine xmlns:a14="http://schemas.microsoft.com/office/drawing/2010/main" xmlns:p14="http://schemas.microsoft.com/office/powerpoint/2010/main" xmlns:a16="http://schemas.microsoft.com/office/drawing/2014/main" xmlns="" w="9525">
+                <a14:hiddenLine xmlns="" xmlns:a16="http://schemas.microsoft.com/office/drawing/2014/main" xmlns:p14="http://schemas.microsoft.com/office/powerpoint/2010/main" xmlns:a14="http://schemas.microsoft.com/office/drawing/2010/main" w="9525">
                   <a:solidFill>
                     <a:srgbClr val="000000"/>
                   </a:solidFill>
@@ -13626,7 +13626,7 @@
             </a:ln>
             <a:extLst>
               <a:ext uri="{91240B29-F687-4f45-9708-019B960494DF}">
-                <a14:hiddenLine xmlns:a14="http://schemas.microsoft.com/office/drawing/2010/main" xmlns:p14="http://schemas.microsoft.com/office/powerpoint/2010/main" xmlns:a16="http://schemas.microsoft.com/office/drawing/2014/main" xmlns="" w="9525">
+                <a14:hiddenLine xmlns="" xmlns:a16="http://schemas.microsoft.com/office/drawing/2014/main" xmlns:p14="http://schemas.microsoft.com/office/powerpoint/2010/main" xmlns:a14="http://schemas.microsoft.com/office/drawing/2010/main" w="9525">
                   <a:solidFill>
                     <a:srgbClr val="000000"/>
                   </a:solidFill>
@@ -13703,7 +13703,7 @@
             </a:ln>
             <a:extLst>
               <a:ext uri="{91240B29-F687-4f45-9708-019B960494DF}">
-                <a14:hiddenLine xmlns:a14="http://schemas.microsoft.com/office/drawing/2010/main" xmlns:p14="http://schemas.microsoft.com/office/powerpoint/2010/main" xmlns:a16="http://schemas.microsoft.com/office/drawing/2014/main" xmlns="" w="9525">
+                <a14:hiddenLine xmlns="" xmlns:a16="http://schemas.microsoft.com/office/drawing/2014/main" xmlns:p14="http://schemas.microsoft.com/office/powerpoint/2010/main" xmlns:a14="http://schemas.microsoft.com/office/drawing/2010/main" w="9525">
                   <a:solidFill>
                     <a:srgbClr val="000000"/>
                   </a:solidFill>
@@ -13780,7 +13780,7 @@
             </a:ln>
             <a:extLst>
               <a:ext uri="{91240B29-F687-4f45-9708-019B960494DF}">
-                <a14:hiddenLine xmlns:a14="http://schemas.microsoft.com/office/drawing/2010/main" xmlns:p14="http://schemas.microsoft.com/office/powerpoint/2010/main" xmlns:a16="http://schemas.microsoft.com/office/drawing/2014/main" xmlns="" w="9525">
+                <a14:hiddenLine xmlns="" xmlns:a16="http://schemas.microsoft.com/office/drawing/2014/main" xmlns:p14="http://schemas.microsoft.com/office/powerpoint/2010/main" xmlns:a14="http://schemas.microsoft.com/office/drawing/2010/main" w="9525">
                   <a:solidFill>
                     <a:srgbClr val="000000"/>
                   </a:solidFill>
@@ -13885,7 +13885,7 @@
             </a:ln>
             <a:extLst>
               <a:ext uri="{91240B29-F687-4f45-9708-019B960494DF}">
-                <a14:hiddenLine xmlns:a14="http://schemas.microsoft.com/office/drawing/2010/main" xmlns:p14="http://schemas.microsoft.com/office/powerpoint/2010/main" xmlns:a16="http://schemas.microsoft.com/office/drawing/2014/main" xmlns="" w="9525">
+                <a14:hiddenLine xmlns="" xmlns:a16="http://schemas.microsoft.com/office/drawing/2014/main" xmlns:p14="http://schemas.microsoft.com/office/powerpoint/2010/main" xmlns:a14="http://schemas.microsoft.com/office/drawing/2010/main" w="9525">
                   <a:solidFill>
                     <a:srgbClr val="000000"/>
                   </a:solidFill>
@@ -13990,7 +13990,7 @@
             </a:ln>
             <a:extLst>
               <a:ext uri="{91240B29-F687-4f45-9708-019B960494DF}">
-                <a14:hiddenLine xmlns:a14="http://schemas.microsoft.com/office/drawing/2010/main" xmlns:p14="http://schemas.microsoft.com/office/powerpoint/2010/main" xmlns:a16="http://schemas.microsoft.com/office/drawing/2014/main" xmlns="" w="9525">
+                <a14:hiddenLine xmlns="" xmlns:a16="http://schemas.microsoft.com/office/drawing/2014/main" xmlns:p14="http://schemas.microsoft.com/office/powerpoint/2010/main" xmlns:a14="http://schemas.microsoft.com/office/drawing/2010/main" w="9525">
                   <a:solidFill>
                     <a:srgbClr val="000000"/>
                   </a:solidFill>
@@ -14067,7 +14067,7 @@
             </a:ln>
             <a:extLst>
               <a:ext uri="{91240B29-F687-4f45-9708-019B960494DF}">
-                <a14:hiddenLine xmlns:a14="http://schemas.microsoft.com/office/drawing/2010/main" xmlns:p14="http://schemas.microsoft.com/office/powerpoint/2010/main" xmlns:a16="http://schemas.microsoft.com/office/drawing/2014/main" xmlns="" w="9525">
+                <a14:hiddenLine xmlns="" xmlns:a16="http://schemas.microsoft.com/office/drawing/2014/main" xmlns:p14="http://schemas.microsoft.com/office/powerpoint/2010/main" xmlns:a14="http://schemas.microsoft.com/office/drawing/2010/main" w="9525">
                   <a:solidFill>
                     <a:srgbClr val="000000"/>
                   </a:solidFill>
@@ -14192,7 +14192,7 @@
             </a:ln>
             <a:extLst>
               <a:ext uri="{91240B29-F687-4f45-9708-019B960494DF}">
-                <a14:hiddenLine xmlns:a14="http://schemas.microsoft.com/office/drawing/2010/main" xmlns:p14="http://schemas.microsoft.com/office/powerpoint/2010/main" xmlns:a16="http://schemas.microsoft.com/office/drawing/2014/main" xmlns="" w="9525">
+                <a14:hiddenLine xmlns="" xmlns:a16="http://schemas.microsoft.com/office/drawing/2014/main" xmlns:p14="http://schemas.microsoft.com/office/powerpoint/2010/main" xmlns:a14="http://schemas.microsoft.com/office/drawing/2010/main" w="9525">
                   <a:solidFill>
                     <a:srgbClr val="000000"/>
                   </a:solidFill>
@@ -14306,7 +14306,7 @@
             </a:ln>
             <a:extLst>
               <a:ext uri="{91240B29-F687-4f45-9708-019B960494DF}">
-                <a14:hiddenLine xmlns:a14="http://schemas.microsoft.com/office/drawing/2010/main" xmlns:p14="http://schemas.microsoft.com/office/powerpoint/2010/main" xmlns:a16="http://schemas.microsoft.com/office/drawing/2014/main" xmlns="" w="9525">
+                <a14:hiddenLine xmlns="" xmlns:a16="http://schemas.microsoft.com/office/drawing/2014/main" xmlns:p14="http://schemas.microsoft.com/office/powerpoint/2010/main" xmlns:a14="http://schemas.microsoft.com/office/drawing/2010/main" w="9525">
                   <a:solidFill>
                     <a:srgbClr val="000000"/>
                   </a:solidFill>
@@ -14383,7 +14383,7 @@
             </a:ln>
             <a:extLst>
               <a:ext uri="{91240B29-F687-4f45-9708-019B960494DF}">
-                <a14:hiddenLine xmlns:a14="http://schemas.microsoft.com/office/drawing/2010/main" xmlns:p14="http://schemas.microsoft.com/office/powerpoint/2010/main" xmlns:a16="http://schemas.microsoft.com/office/drawing/2014/main" xmlns="" w="9525">
+                <a14:hiddenLine xmlns="" xmlns:a16="http://schemas.microsoft.com/office/drawing/2014/main" xmlns:p14="http://schemas.microsoft.com/office/powerpoint/2010/main" xmlns:a14="http://schemas.microsoft.com/office/drawing/2010/main" w="9525">
                   <a:solidFill>
                     <a:srgbClr val="000000"/>
                   </a:solidFill>
@@ -14460,7 +14460,7 @@
             </a:ln>
             <a:extLst>
               <a:ext uri="{91240B29-F687-4f45-9708-019B960494DF}">
-                <a14:hiddenLine xmlns:a14="http://schemas.microsoft.com/office/drawing/2010/main" xmlns:p14="http://schemas.microsoft.com/office/powerpoint/2010/main" xmlns:a16="http://schemas.microsoft.com/office/drawing/2014/main" xmlns="" w="9525">
+                <a14:hiddenLine xmlns="" xmlns:a16="http://schemas.microsoft.com/office/drawing/2014/main" xmlns:p14="http://schemas.microsoft.com/office/powerpoint/2010/main" xmlns:a14="http://schemas.microsoft.com/office/drawing/2010/main" w="9525">
                   <a:solidFill>
                     <a:srgbClr val="000000"/>
                   </a:solidFill>
@@ -14565,7 +14565,7 @@
             </a:ln>
             <a:extLst>
               <a:ext uri="{91240B29-F687-4f45-9708-019B960494DF}">
-                <a14:hiddenLine xmlns:a14="http://schemas.microsoft.com/office/drawing/2010/main" xmlns:p14="http://schemas.microsoft.com/office/powerpoint/2010/main" xmlns:a16="http://schemas.microsoft.com/office/drawing/2014/main" xmlns="" w="9525">
+                <a14:hiddenLine xmlns="" xmlns:a16="http://schemas.microsoft.com/office/drawing/2014/main" xmlns:p14="http://schemas.microsoft.com/office/powerpoint/2010/main" xmlns:a14="http://schemas.microsoft.com/office/drawing/2010/main" w="9525">
                   <a:solidFill>
                     <a:srgbClr val="000000"/>
                   </a:solidFill>
@@ -14614,7 +14614,7 @@
             </a:ln>
             <a:extLst>
               <a:ext uri="{91240B29-F687-4f45-9708-019B960494DF}">
-                <a14:hiddenLine xmlns:a14="http://schemas.microsoft.com/office/drawing/2010/main" xmlns:p14="http://schemas.microsoft.com/office/powerpoint/2010/main" xmlns:a16="http://schemas.microsoft.com/office/drawing/2014/main" xmlns="" w="9525">
+                <a14:hiddenLine xmlns="" xmlns:a16="http://schemas.microsoft.com/office/drawing/2014/main" xmlns:p14="http://schemas.microsoft.com/office/powerpoint/2010/main" xmlns:a14="http://schemas.microsoft.com/office/drawing/2010/main" w="9525">
                   <a:solidFill>
                     <a:srgbClr val="000000"/>
                   </a:solidFill>
@@ -14694,7 +14694,7 @@
             </a:ln>
             <a:extLst>
               <a:ext uri="{91240B29-F687-4f45-9708-019B960494DF}">
-                <a14:hiddenLine xmlns:a14="http://schemas.microsoft.com/office/drawing/2010/main" xmlns:p14="http://schemas.microsoft.com/office/powerpoint/2010/main" xmlns:a16="http://schemas.microsoft.com/office/drawing/2014/main" xmlns="" w="9525">
+                <a14:hiddenLine xmlns="" xmlns:a16="http://schemas.microsoft.com/office/drawing/2014/main" xmlns:p14="http://schemas.microsoft.com/office/powerpoint/2010/main" xmlns:a14="http://schemas.microsoft.com/office/drawing/2010/main" w="9525">
                   <a:solidFill>
                     <a:srgbClr val="000000"/>
                   </a:solidFill>
@@ -14799,7 +14799,7 @@
             </a:ln>
             <a:extLst>
               <a:ext uri="{91240B29-F687-4f45-9708-019B960494DF}">
-                <a14:hiddenLine xmlns:a14="http://schemas.microsoft.com/office/drawing/2010/main" xmlns:p14="http://schemas.microsoft.com/office/powerpoint/2010/main" xmlns:a16="http://schemas.microsoft.com/office/drawing/2014/main" xmlns="" w="9525">
+                <a14:hiddenLine xmlns="" xmlns:a16="http://schemas.microsoft.com/office/drawing/2014/main" xmlns:p14="http://schemas.microsoft.com/office/powerpoint/2010/main" xmlns:a14="http://schemas.microsoft.com/office/drawing/2010/main" w="9525">
                   <a:solidFill>
                     <a:srgbClr val="000000"/>
                   </a:solidFill>
@@ -14876,7 +14876,7 @@
             </a:ln>
             <a:extLst>
               <a:ext uri="{91240B29-F687-4f45-9708-019B960494DF}">
-                <a14:hiddenLine xmlns:a14="http://schemas.microsoft.com/office/drawing/2010/main" xmlns:p14="http://schemas.microsoft.com/office/powerpoint/2010/main" xmlns:a16="http://schemas.microsoft.com/office/drawing/2014/main" xmlns="" w="9525">
+                <a14:hiddenLine xmlns="" xmlns:a16="http://schemas.microsoft.com/office/drawing/2014/main" xmlns:p14="http://schemas.microsoft.com/office/powerpoint/2010/main" xmlns:a14="http://schemas.microsoft.com/office/drawing/2010/main" w="9525">
                   <a:solidFill>
                     <a:srgbClr val="000000"/>
                   </a:solidFill>
@@ -14981,7 +14981,7 @@
             </a:ln>
             <a:extLst>
               <a:ext uri="{91240B29-F687-4f45-9708-019B960494DF}">
-                <a14:hiddenLine xmlns:a14="http://schemas.microsoft.com/office/drawing/2010/main" xmlns:p14="http://schemas.microsoft.com/office/powerpoint/2010/main" xmlns:a16="http://schemas.microsoft.com/office/drawing/2014/main" xmlns="" w="9525">
+                <a14:hiddenLine xmlns="" xmlns:a16="http://schemas.microsoft.com/office/drawing/2014/main" xmlns:p14="http://schemas.microsoft.com/office/powerpoint/2010/main" xmlns:a14="http://schemas.microsoft.com/office/drawing/2010/main" w="9525">
                   <a:solidFill>
                     <a:srgbClr val="000000"/>
                   </a:solidFill>
@@ -15061,7 +15061,7 @@
             </a:ln>
             <a:extLst>
               <a:ext uri="{91240B29-F687-4f45-9708-019B960494DF}">
-                <a14:hiddenLine xmlns:a14="http://schemas.microsoft.com/office/drawing/2010/main" xmlns:p14="http://schemas.microsoft.com/office/powerpoint/2010/main" xmlns:a16="http://schemas.microsoft.com/office/drawing/2014/main" xmlns="" w="9525">
+                <a14:hiddenLine xmlns="" xmlns:a16="http://schemas.microsoft.com/office/drawing/2014/main" xmlns:p14="http://schemas.microsoft.com/office/powerpoint/2010/main" xmlns:a14="http://schemas.microsoft.com/office/drawing/2010/main" w="9525">
                   <a:solidFill>
                     <a:srgbClr val="000000"/>
                   </a:solidFill>
@@ -15138,7 +15138,7 @@
             </a:ln>
             <a:extLst>
               <a:ext uri="{91240B29-F687-4f45-9708-019B960494DF}">
-                <a14:hiddenLine xmlns:a14="http://schemas.microsoft.com/office/drawing/2010/main" xmlns:p14="http://schemas.microsoft.com/office/powerpoint/2010/main" xmlns:a16="http://schemas.microsoft.com/office/drawing/2014/main" xmlns="" w="9525">
+                <a14:hiddenLine xmlns="" xmlns:a16="http://schemas.microsoft.com/office/drawing/2014/main" xmlns:p14="http://schemas.microsoft.com/office/powerpoint/2010/main" xmlns:a14="http://schemas.microsoft.com/office/drawing/2010/main" w="9525">
                   <a:solidFill>
                     <a:srgbClr val="000000"/>
                   </a:solidFill>
@@ -15243,7 +15243,7 @@
             </a:ln>
             <a:extLst>
               <a:ext uri="{91240B29-F687-4f45-9708-019B960494DF}">
-                <a14:hiddenLine xmlns:a14="http://schemas.microsoft.com/office/drawing/2010/main" xmlns:p14="http://schemas.microsoft.com/office/powerpoint/2010/main" xmlns:a16="http://schemas.microsoft.com/office/drawing/2014/main" xmlns="" w="9525">
+                <a14:hiddenLine xmlns="" xmlns:a16="http://schemas.microsoft.com/office/drawing/2014/main" xmlns:p14="http://schemas.microsoft.com/office/powerpoint/2010/main" xmlns:a14="http://schemas.microsoft.com/office/drawing/2010/main" w="9525">
                   <a:solidFill>
                     <a:srgbClr val="000000"/>
                   </a:solidFill>
@@ -15348,7 +15348,7 @@
             </a:ln>
             <a:extLst>
               <a:ext uri="{91240B29-F687-4f45-9708-019B960494DF}">
-                <a14:hiddenLine xmlns:a14="http://schemas.microsoft.com/office/drawing/2010/main" xmlns:p14="http://schemas.microsoft.com/office/powerpoint/2010/main" xmlns:a16="http://schemas.microsoft.com/office/drawing/2014/main" xmlns="" w="9525">
+                <a14:hiddenLine xmlns="" xmlns:a16="http://schemas.microsoft.com/office/drawing/2014/main" xmlns:p14="http://schemas.microsoft.com/office/powerpoint/2010/main" xmlns:a14="http://schemas.microsoft.com/office/drawing/2010/main" w="9525">
                   <a:solidFill>
                     <a:srgbClr val="000000"/>
                   </a:solidFill>
@@ -15428,7 +15428,7 @@
             </a:ln>
             <a:extLst>
               <a:ext uri="{91240B29-F687-4f45-9708-019B960494DF}">
-                <a14:hiddenLine xmlns:a14="http://schemas.microsoft.com/office/drawing/2010/main" xmlns:p14="http://schemas.microsoft.com/office/powerpoint/2010/main" xmlns:a16="http://schemas.microsoft.com/office/drawing/2014/main" xmlns="" w="9525">
+                <a14:hiddenLine xmlns="" xmlns:a16="http://schemas.microsoft.com/office/drawing/2014/main" xmlns:p14="http://schemas.microsoft.com/office/powerpoint/2010/main" xmlns:a14="http://schemas.microsoft.com/office/drawing/2010/main" w="9525">
                   <a:solidFill>
                     <a:srgbClr val="000000"/>
                   </a:solidFill>
@@ -15563,7 +15563,7 @@
             </a:ln>
             <a:extLst>
               <a:ext uri="{91240B29-F687-4f45-9708-019B960494DF}">
-                <a14:hiddenLine xmlns:a14="http://schemas.microsoft.com/office/drawing/2010/main" xmlns:p14="http://schemas.microsoft.com/office/powerpoint/2010/main" xmlns:a16="http://schemas.microsoft.com/office/drawing/2014/main" xmlns="" w="9525">
+                <a14:hiddenLine xmlns="" xmlns:a16="http://schemas.microsoft.com/office/drawing/2014/main" xmlns:p14="http://schemas.microsoft.com/office/powerpoint/2010/main" xmlns:a14="http://schemas.microsoft.com/office/drawing/2010/main" w="9525">
                   <a:solidFill>
                     <a:srgbClr val="000000"/>
                   </a:solidFill>
@@ -15586,13 +15586,13 @@
   <p:clrMapOvr>
     <a:masterClrMapping/>
   </p:clrMapOvr>
-  <mc:AlternateContent xmlns:mc="http://schemas.openxmlformats.org/markup-compatibility/2006">
-    <mc:Choice xmlns:p14="http://schemas.microsoft.com/office/powerpoint/2010/main" Requires="p14">
+  <mc:AlternateContent xmlns:mc="http://schemas.openxmlformats.org/markup-compatibility/2006" xmlns:p14="http://schemas.microsoft.com/office/powerpoint/2010/main">
+    <mc:Choice Requires="p14">
       <p:transition spd="slow" p14:dur="1400">
         <p14:doors dir="vert"/>
       </p:transition>
     </mc:Choice>
-    <mc:Fallback>
+    <mc:Fallback xmlns="">
       <p:transition spd="slow">
         <p:fade/>
       </p:transition>
@@ -15702,13 +15702,13 @@
   <p:clrMapOvr>
     <a:masterClrMapping/>
   </p:clrMapOvr>
-  <mc:AlternateContent xmlns:mc="http://schemas.openxmlformats.org/markup-compatibility/2006">
-    <mc:Choice xmlns:p14="http://schemas.microsoft.com/office/powerpoint/2010/main" Requires="p14">
+  <mc:AlternateContent xmlns:mc="http://schemas.openxmlformats.org/markup-compatibility/2006" xmlns:p14="http://schemas.microsoft.com/office/powerpoint/2010/main">
+    <mc:Choice Requires="p14">
       <p:transition spd="slow" p14:dur="1400">
         <p14:doors dir="vert"/>
       </p:transition>
     </mc:Choice>
-    <mc:Fallback>
+    <mc:Fallback xmlns="">
       <p:transition spd="slow">
         <p:fade/>
       </p:transition>
@@ -15833,13 +15833,13 @@
   <p:clrMapOvr>
     <a:masterClrMapping/>
   </p:clrMapOvr>
-  <mc:AlternateContent xmlns:mc="http://schemas.openxmlformats.org/markup-compatibility/2006">
-    <mc:Choice xmlns:p14="http://schemas.microsoft.com/office/powerpoint/2010/main" Requires="p14">
+  <mc:AlternateContent xmlns:mc="http://schemas.openxmlformats.org/markup-compatibility/2006" xmlns:p14="http://schemas.microsoft.com/office/powerpoint/2010/main">
+    <mc:Choice Requires="p14">
       <p:transition spd="slow" p14:dur="1400">
         <p14:doors dir="vert"/>
       </p:transition>
     </mc:Choice>
-    <mc:Fallback>
+    <mc:Fallback xmlns="">
       <p:transition spd="slow">
         <p:fade/>
       </p:transition>
@@ -15911,13 +15911,13 @@
   <p:clrMapOvr>
     <a:masterClrMapping/>
   </p:clrMapOvr>
-  <mc:AlternateContent xmlns:mc="http://schemas.openxmlformats.org/markup-compatibility/2006">
-    <mc:Choice xmlns:p14="http://schemas.microsoft.com/office/powerpoint/2010/main" Requires="p14">
+  <mc:AlternateContent xmlns:mc="http://schemas.openxmlformats.org/markup-compatibility/2006" xmlns:p14="http://schemas.microsoft.com/office/powerpoint/2010/main">
+    <mc:Choice Requires="p14">
       <p:transition spd="slow" p14:dur="1400">
         <p14:doors dir="vert"/>
       </p:transition>
     </mc:Choice>
-    <mc:Fallback>
+    <mc:Fallback xmlns="">
       <p:transition spd="slow">
         <p:fade/>
       </p:transition>
@@ -15959,43 +15959,194 @@
             <p:ph type="title"/>
           </p:nvPr>
         </p:nvSpPr>
-        <p:spPr/>
+        <p:spPr>
+          <a:xfrm>
+            <a:off x="1002517" y="1394022"/>
+            <a:ext cx="9905998" cy="1478570"/>
+          </a:xfrm>
+        </p:spPr>
         <p:txBody>
-          <a:bodyPr/>
+          <a:bodyPr>
+            <a:normAutofit/>
+          </a:bodyPr>
           <a:lstStyle/>
           <a:p>
+            <a:pPr lvl="0" algn="ctr">
+              <a:lnSpc>
+                <a:spcPct val="120000"/>
+              </a:lnSpc>
+              <a:spcBef>
+                <a:spcPts val="1000"/>
+              </a:spcBef>
+              <a:buSzPct val="125000"/>
+            </a:pPr>
             <a:r>
               <a:rPr lang="en-US" dirty="0"/>
-              <a:t>Links:</a:t>
+              <a:t>Link: </a:t>
             </a:r>
+            <a:r>
+              <a:rPr lang="en-US" sz="3200" b="1" cap="none" dirty="0">
+                <a:solidFill>
+                  <a:prstClr val="white"/>
+                </a:solidFill>
+                <a:ea typeface="+mn-ea"/>
+                <a:cs typeface="+mn-cs"/>
+              </a:rPr>
+              <a:t>https://</a:t>
+            </a:r>
+            <a:r>
+              <a:rPr lang="en-US" sz="3200" b="1" cap="none" dirty="0" err="1">
+                <a:solidFill>
+                  <a:prstClr val="white"/>
+                </a:solidFill>
+                <a:ea typeface="+mn-ea"/>
+                <a:cs typeface="+mn-cs"/>
+              </a:rPr>
+              <a:t>github.com</a:t>
+            </a:r>
+            <a:r>
+              <a:rPr lang="en-US" sz="3200" b="1" cap="none" dirty="0">
+                <a:solidFill>
+                  <a:prstClr val="white"/>
+                </a:solidFill>
+                <a:ea typeface="+mn-ea"/>
+                <a:cs typeface="+mn-cs"/>
+              </a:rPr>
+              <a:t>/</a:t>
+            </a:r>
+            <a:r>
+              <a:rPr lang="en-US" sz="3200" b="1" cap="none" dirty="0" err="1">
+                <a:solidFill>
+                  <a:prstClr val="white"/>
+                </a:solidFill>
+                <a:ea typeface="+mn-ea"/>
+                <a:cs typeface="+mn-cs"/>
+              </a:rPr>
+              <a:t>ZrowGz</a:t>
+            </a:r>
+            <a:r>
+              <a:rPr lang="en-US" sz="3200" b="1" cap="none" dirty="0">
+                <a:solidFill>
+                  <a:prstClr val="white"/>
+                </a:solidFill>
+                <a:ea typeface="+mn-ea"/>
+                <a:cs typeface="+mn-cs"/>
+              </a:rPr>
+              <a:t>/</a:t>
+            </a:r>
+            <a:r>
+              <a:rPr lang="en-US" sz="3200" b="1" cap="none" dirty="0" err="1">
+                <a:solidFill>
+                  <a:prstClr val="white"/>
+                </a:solidFill>
+                <a:ea typeface="+mn-ea"/>
+                <a:cs typeface="+mn-cs"/>
+              </a:rPr>
+              <a:t>knightshade.git</a:t>
+            </a:r>
+            <a:br>
+              <a:rPr lang="en-US" sz="3200" b="1" cap="none" dirty="0">
+                <a:solidFill>
+                  <a:prstClr val="white"/>
+                </a:solidFill>
+                <a:ea typeface="+mn-ea"/>
+                <a:cs typeface="+mn-cs"/>
+              </a:rPr>
+            </a:br>
+            <a:endParaRPr lang="en-US" dirty="0"/>
           </a:p>
         </p:txBody>
       </p:sp>
-      <p:sp>
-        <p:nvSpPr>
-          <p:cNvPr id="3" name="Content Placeholder 2">
+      <p:pic>
+        <p:nvPicPr>
+          <p:cNvPr id="5" name="Picture 4">
             <a:extLst>
               <a:ext uri="{FF2B5EF4-FFF2-40B4-BE49-F238E27FC236}">
-                <a16:creationId xmlns:a16="http://schemas.microsoft.com/office/drawing/2014/main" id="{53A03C9F-1A1D-B84B-93D8-34618D579722}"/>
+                <a16:creationId xmlns:a16="http://schemas.microsoft.com/office/drawing/2014/main" id="{FB21EBEF-A527-EA4E-850F-C6B3F80D2F45}"/>
               </a:ext>
             </a:extLst>
           </p:cNvPr>
-          <p:cNvSpPr>
-            <a:spLocks noGrp="1"/>
-          </p:cNvSpPr>
-          <p:nvPr>
-            <p:ph idx="1"/>
-          </p:nvPr>
-        </p:nvSpPr>
-        <p:spPr/>
-        <p:txBody>
-          <a:bodyPr/>
-          <a:lstStyle/>
-          <a:p>
-            <a:endParaRPr lang="en-US"/>
-          </a:p>
-        </p:txBody>
-      </p:sp>
+          <p:cNvPicPr>
+            <a:picLocks noChangeAspect="1"/>
+          </p:cNvPicPr>
+          <p:nvPr/>
+        </p:nvPicPr>
+        <p:blipFill>
+          <a:blip r:embed="rId2"/>
+          <a:stretch>
+            <a:fillRect/>
+          </a:stretch>
+        </p:blipFill>
+        <p:spPr>
+          <a:xfrm>
+            <a:off x="863203" y="3468688"/>
+            <a:ext cx="3375421" cy="2700337"/>
+          </a:xfrm>
+          <a:prstGeom prst="rect">
+            <a:avLst/>
+          </a:prstGeom>
+        </p:spPr>
+      </p:pic>
+      <p:pic>
+        <p:nvPicPr>
+          <p:cNvPr id="7" name="Picture 6">
+            <a:extLst>
+              <a:ext uri="{FF2B5EF4-FFF2-40B4-BE49-F238E27FC236}">
+                <a16:creationId xmlns:a16="http://schemas.microsoft.com/office/drawing/2014/main" id="{06F73526-6363-5D4E-BF1D-A08B18D8F699}"/>
+              </a:ext>
+            </a:extLst>
+          </p:cNvPr>
+          <p:cNvPicPr>
+            <a:picLocks noChangeAspect="1"/>
+          </p:cNvPicPr>
+          <p:nvPr/>
+        </p:nvPicPr>
+        <p:blipFill>
+          <a:blip r:embed="rId3"/>
+          <a:stretch>
+            <a:fillRect/>
+          </a:stretch>
+        </p:blipFill>
+        <p:spPr>
+          <a:xfrm>
+            <a:off x="8048623" y="3517106"/>
+            <a:ext cx="3616322" cy="2603500"/>
+          </a:xfrm>
+          <a:prstGeom prst="rect">
+            <a:avLst/>
+          </a:prstGeom>
+        </p:spPr>
+      </p:pic>
+      <p:pic>
+        <p:nvPicPr>
+          <p:cNvPr id="8" name="Picture 7">
+            <a:extLst>
+              <a:ext uri="{FF2B5EF4-FFF2-40B4-BE49-F238E27FC236}">
+                <a16:creationId xmlns:a16="http://schemas.microsoft.com/office/drawing/2014/main" id="{7A77FE91-12D0-4549-BFB8-3C9DB45119A8}"/>
+              </a:ext>
+            </a:extLst>
+          </p:cNvPr>
+          <p:cNvPicPr>
+            <a:picLocks noChangeAspect="1"/>
+          </p:cNvPicPr>
+          <p:nvPr/>
+        </p:nvPicPr>
+        <p:blipFill>
+          <a:blip r:embed="rId4"/>
+          <a:stretch>
+            <a:fillRect/>
+          </a:stretch>
+        </p:blipFill>
+        <p:spPr>
+          <a:xfrm>
+            <a:off x="4951411" y="3195030"/>
+            <a:ext cx="2286000" cy="3175000"/>
+          </a:xfrm>
+          <a:prstGeom prst="rect">
+            <a:avLst/>
+          </a:prstGeom>
+        </p:spPr>
+      </p:pic>
     </p:spTree>
     <p:extLst>
       <p:ext uri="{BB962C8B-B14F-4D97-AF65-F5344CB8AC3E}">
@@ -16006,13 +16157,13 @@
   <p:clrMapOvr>
     <a:masterClrMapping/>
   </p:clrMapOvr>
-  <mc:AlternateContent xmlns:mc="http://schemas.openxmlformats.org/markup-compatibility/2006">
-    <mc:Choice xmlns:p14="http://schemas.microsoft.com/office/powerpoint/2010/main" Requires="p14">
+  <mc:AlternateContent xmlns:mc="http://schemas.openxmlformats.org/markup-compatibility/2006" xmlns:p14="http://schemas.microsoft.com/office/powerpoint/2010/main">
+    <mc:Choice Requires="p14">
       <p:transition spd="slow" p14:dur="1400">
         <p14:doors dir="vert"/>
       </p:transition>
     </mc:Choice>
-    <mc:Fallback>
+    <mc:Fallback xmlns="">
       <p:transition spd="slow">
         <p:fade/>
       </p:transition>
